--- a/gw-poster-template.pptx
+++ b/gw-poster-template.pptx
@@ -12,14 +12,14 @@
     <p:sldId id="257" r:id="rId3"/>
     <p:sldId id="258" r:id="rId4"/>
   </p:sldIdLst>
-  <p:sldSz cx="43891200" cy="32918400"/>
+  <p:sldSz cx="32918400" cy="21945600"/>
   <p:notesSz cx="6858000" cy="9144000"/>
   <p:defaultTextStyle>
     <a:defPPr>
       <a:defRPr lang="en-US"/>
     </a:defPPr>
-    <a:lvl1pPr marL="0" algn="l" defTabSz="2194560" rtl="0" eaLnBrk="1" latinLnBrk="0" hangingPunct="1">
-      <a:defRPr sz="8600" kern="1200">
+    <a:lvl1pPr marL="0" algn="l" defTabSz="1567355" rtl="0" eaLnBrk="1" latinLnBrk="0" hangingPunct="1">
+      <a:defRPr sz="6142" kern="1200">
         <a:solidFill>
           <a:schemeClr val="tx1"/>
         </a:solidFill>
@@ -28,8 +28,8 @@
         <a:cs typeface="+mn-cs"/>
       </a:defRPr>
     </a:lvl1pPr>
-    <a:lvl2pPr marL="2194560" algn="l" defTabSz="2194560" rtl="0" eaLnBrk="1" latinLnBrk="0" hangingPunct="1">
-      <a:defRPr sz="8600" kern="1200">
+    <a:lvl2pPr marL="1567355" algn="l" defTabSz="1567355" rtl="0" eaLnBrk="1" latinLnBrk="0" hangingPunct="1">
+      <a:defRPr sz="6142" kern="1200">
         <a:solidFill>
           <a:schemeClr val="tx1"/>
         </a:solidFill>
@@ -38,8 +38,8 @@
         <a:cs typeface="+mn-cs"/>
       </a:defRPr>
     </a:lvl2pPr>
-    <a:lvl3pPr marL="4389120" algn="l" defTabSz="2194560" rtl="0" eaLnBrk="1" latinLnBrk="0" hangingPunct="1">
-      <a:defRPr sz="8600" kern="1200">
+    <a:lvl3pPr marL="3134710" algn="l" defTabSz="1567355" rtl="0" eaLnBrk="1" latinLnBrk="0" hangingPunct="1">
+      <a:defRPr sz="6142" kern="1200">
         <a:solidFill>
           <a:schemeClr val="tx1"/>
         </a:solidFill>
@@ -48,8 +48,8 @@
         <a:cs typeface="+mn-cs"/>
       </a:defRPr>
     </a:lvl3pPr>
-    <a:lvl4pPr marL="6583680" algn="l" defTabSz="2194560" rtl="0" eaLnBrk="1" latinLnBrk="0" hangingPunct="1">
-      <a:defRPr sz="8600" kern="1200">
+    <a:lvl4pPr marL="4702064" algn="l" defTabSz="1567355" rtl="0" eaLnBrk="1" latinLnBrk="0" hangingPunct="1">
+      <a:defRPr sz="6142" kern="1200">
         <a:solidFill>
           <a:schemeClr val="tx1"/>
         </a:solidFill>
@@ -58,8 +58,8 @@
         <a:cs typeface="+mn-cs"/>
       </a:defRPr>
     </a:lvl4pPr>
-    <a:lvl5pPr marL="8778240" algn="l" defTabSz="2194560" rtl="0" eaLnBrk="1" latinLnBrk="0" hangingPunct="1">
-      <a:defRPr sz="8600" kern="1200">
+    <a:lvl5pPr marL="6269419" algn="l" defTabSz="1567355" rtl="0" eaLnBrk="1" latinLnBrk="0" hangingPunct="1">
+      <a:defRPr sz="6142" kern="1200">
         <a:solidFill>
           <a:schemeClr val="tx1"/>
         </a:solidFill>
@@ -68,8 +68,8 @@
         <a:cs typeface="+mn-cs"/>
       </a:defRPr>
     </a:lvl5pPr>
-    <a:lvl6pPr marL="10972800" algn="l" defTabSz="2194560" rtl="0" eaLnBrk="1" latinLnBrk="0" hangingPunct="1">
-      <a:defRPr sz="8600" kern="1200">
+    <a:lvl6pPr marL="7836774" algn="l" defTabSz="1567355" rtl="0" eaLnBrk="1" latinLnBrk="0" hangingPunct="1">
+      <a:defRPr sz="6142" kern="1200">
         <a:solidFill>
           <a:schemeClr val="tx1"/>
         </a:solidFill>
@@ -78,8 +78,8 @@
         <a:cs typeface="+mn-cs"/>
       </a:defRPr>
     </a:lvl6pPr>
-    <a:lvl7pPr marL="13167360" algn="l" defTabSz="2194560" rtl="0" eaLnBrk="1" latinLnBrk="0" hangingPunct="1">
-      <a:defRPr sz="8600" kern="1200">
+    <a:lvl7pPr marL="9404129" algn="l" defTabSz="1567355" rtl="0" eaLnBrk="1" latinLnBrk="0" hangingPunct="1">
+      <a:defRPr sz="6142" kern="1200">
         <a:solidFill>
           <a:schemeClr val="tx1"/>
         </a:solidFill>
@@ -88,8 +88,8 @@
         <a:cs typeface="+mn-cs"/>
       </a:defRPr>
     </a:lvl7pPr>
-    <a:lvl8pPr marL="15361920" algn="l" defTabSz="2194560" rtl="0" eaLnBrk="1" latinLnBrk="0" hangingPunct="1">
-      <a:defRPr sz="8600" kern="1200">
+    <a:lvl8pPr marL="10971483" algn="l" defTabSz="1567355" rtl="0" eaLnBrk="1" latinLnBrk="0" hangingPunct="1">
+      <a:defRPr sz="6142" kern="1200">
         <a:solidFill>
           <a:schemeClr val="tx1"/>
         </a:solidFill>
@@ -98,8 +98,8 @@
         <a:cs typeface="+mn-cs"/>
       </a:defRPr>
     </a:lvl8pPr>
-    <a:lvl9pPr marL="17556480" algn="l" defTabSz="2194560" rtl="0" eaLnBrk="1" latinLnBrk="0" hangingPunct="1">
-      <a:defRPr sz="8600" kern="1200">
+    <a:lvl9pPr marL="12538838" algn="l" defTabSz="1567355" rtl="0" eaLnBrk="1" latinLnBrk="0" hangingPunct="1">
+      <a:defRPr sz="6142" kern="1200">
         <a:solidFill>
           <a:schemeClr val="tx1"/>
         </a:solidFill>
@@ -109,6 +109,22 @@
       </a:defRPr>
     </a:lvl9pPr>
   </p:defaultTextStyle>
+  <p:extLst>
+    <p:ext uri="{EFAFB233-063F-42B5-8137-9DF3F51BA10A}">
+      <p15:sldGuideLst xmlns:p15="http://schemas.microsoft.com/office/powerpoint/2012/main">
+        <p15:guide id="1" orient="horz" pos="6912" userDrawn="1">
+          <p15:clr>
+            <a:srgbClr val="A4A3A4"/>
+          </p15:clr>
+        </p15:guide>
+        <p15:guide id="2" pos="10368" userDrawn="1">
+          <p15:clr>
+            <a:srgbClr val="A4A3A4"/>
+          </p15:clr>
+        </p15:guide>
+      </p15:sldGuideLst>
+    </p:ext>
+  </p:extLst>
 </p:presentation>
 </file>
 
@@ -194,7 +210,7 @@
           <a:p>
             <a:fld id="{F6F832A7-19FB-DC4F-9047-8986D2D91959}" type="datetimeFigureOut">
               <a:rPr lang="en-US" smtClean="0"/>
-              <a:t>4/21/15</a:t>
+              <a:t>4/14/17</a:t>
             </a:fld>
             <a:endParaRPr lang="en-US"/>
           </a:p>
@@ -212,8 +228,8 @@
         </p:nvSpPr>
         <p:spPr>
           <a:xfrm>
-            <a:off x="1143000" y="685800"/>
-            <a:ext cx="4572000" cy="3429000"/>
+            <a:off x="857250" y="685800"/>
+            <a:ext cx="5143500" cy="3429000"/>
           </a:xfrm>
           <a:prstGeom prst="rect">
             <a:avLst/>
@@ -368,8 +384,8 @@
   </p:cSld>
   <p:clrMap bg1="lt1" tx1="dk1" bg2="lt2" tx2="dk2" accent1="accent1" accent2="accent2" accent3="accent3" accent4="accent4" accent5="accent5" accent6="accent6" hlink="hlink" folHlink="folHlink"/>
   <p:notesStyle>
-    <a:lvl1pPr marL="0" algn="l" defTabSz="457200" rtl="0" eaLnBrk="1" latinLnBrk="0" hangingPunct="1">
-      <a:defRPr sz="1200" kern="1200">
+    <a:lvl1pPr marL="0" algn="l" defTabSz="326532" rtl="0" eaLnBrk="1" latinLnBrk="0" hangingPunct="1">
+      <a:defRPr sz="857" kern="1200">
         <a:solidFill>
           <a:schemeClr val="tx1"/>
         </a:solidFill>
@@ -378,8 +394,8 @@
         <a:cs typeface="+mn-cs"/>
       </a:defRPr>
     </a:lvl1pPr>
-    <a:lvl2pPr marL="457200" algn="l" defTabSz="457200" rtl="0" eaLnBrk="1" latinLnBrk="0" hangingPunct="1">
-      <a:defRPr sz="1200" kern="1200">
+    <a:lvl2pPr marL="326532" algn="l" defTabSz="326532" rtl="0" eaLnBrk="1" latinLnBrk="0" hangingPunct="1">
+      <a:defRPr sz="857" kern="1200">
         <a:solidFill>
           <a:schemeClr val="tx1"/>
         </a:solidFill>
@@ -388,8 +404,8 @@
         <a:cs typeface="+mn-cs"/>
       </a:defRPr>
     </a:lvl2pPr>
-    <a:lvl3pPr marL="914400" algn="l" defTabSz="457200" rtl="0" eaLnBrk="1" latinLnBrk="0" hangingPunct="1">
-      <a:defRPr sz="1200" kern="1200">
+    <a:lvl3pPr marL="653064" algn="l" defTabSz="326532" rtl="0" eaLnBrk="1" latinLnBrk="0" hangingPunct="1">
+      <a:defRPr sz="857" kern="1200">
         <a:solidFill>
           <a:schemeClr val="tx1"/>
         </a:solidFill>
@@ -398,8 +414,8 @@
         <a:cs typeface="+mn-cs"/>
       </a:defRPr>
     </a:lvl3pPr>
-    <a:lvl4pPr marL="1371600" algn="l" defTabSz="457200" rtl="0" eaLnBrk="1" latinLnBrk="0" hangingPunct="1">
-      <a:defRPr sz="1200" kern="1200">
+    <a:lvl4pPr marL="979597" algn="l" defTabSz="326532" rtl="0" eaLnBrk="1" latinLnBrk="0" hangingPunct="1">
+      <a:defRPr sz="857" kern="1200">
         <a:solidFill>
           <a:schemeClr val="tx1"/>
         </a:solidFill>
@@ -408,8 +424,8 @@
         <a:cs typeface="+mn-cs"/>
       </a:defRPr>
     </a:lvl4pPr>
-    <a:lvl5pPr marL="1828800" algn="l" defTabSz="457200" rtl="0" eaLnBrk="1" latinLnBrk="0" hangingPunct="1">
-      <a:defRPr sz="1200" kern="1200">
+    <a:lvl5pPr marL="1306129" algn="l" defTabSz="326532" rtl="0" eaLnBrk="1" latinLnBrk="0" hangingPunct="1">
+      <a:defRPr sz="857" kern="1200">
         <a:solidFill>
           <a:schemeClr val="tx1"/>
         </a:solidFill>
@@ -418,8 +434,8 @@
         <a:cs typeface="+mn-cs"/>
       </a:defRPr>
     </a:lvl5pPr>
-    <a:lvl6pPr marL="2286000" algn="l" defTabSz="457200" rtl="0" eaLnBrk="1" latinLnBrk="0" hangingPunct="1">
-      <a:defRPr sz="1200" kern="1200">
+    <a:lvl6pPr marL="1632661" algn="l" defTabSz="326532" rtl="0" eaLnBrk="1" latinLnBrk="0" hangingPunct="1">
+      <a:defRPr sz="857" kern="1200">
         <a:solidFill>
           <a:schemeClr val="tx1"/>
         </a:solidFill>
@@ -428,8 +444,8 @@
         <a:cs typeface="+mn-cs"/>
       </a:defRPr>
     </a:lvl6pPr>
-    <a:lvl7pPr marL="2743200" algn="l" defTabSz="457200" rtl="0" eaLnBrk="1" latinLnBrk="0" hangingPunct="1">
-      <a:defRPr sz="1200" kern="1200">
+    <a:lvl7pPr marL="1959193" algn="l" defTabSz="326532" rtl="0" eaLnBrk="1" latinLnBrk="0" hangingPunct="1">
+      <a:defRPr sz="857" kern="1200">
         <a:solidFill>
           <a:schemeClr val="tx1"/>
         </a:solidFill>
@@ -438,8 +454,8 @@
         <a:cs typeface="+mn-cs"/>
       </a:defRPr>
     </a:lvl7pPr>
-    <a:lvl8pPr marL="3200400" algn="l" defTabSz="457200" rtl="0" eaLnBrk="1" latinLnBrk="0" hangingPunct="1">
-      <a:defRPr sz="1200" kern="1200">
+    <a:lvl8pPr marL="2285726" algn="l" defTabSz="326532" rtl="0" eaLnBrk="1" latinLnBrk="0" hangingPunct="1">
+      <a:defRPr sz="857" kern="1200">
         <a:solidFill>
           <a:schemeClr val="tx1"/>
         </a:solidFill>
@@ -448,8 +464,8 @@
         <a:cs typeface="+mn-cs"/>
       </a:defRPr>
     </a:lvl8pPr>
-    <a:lvl9pPr marL="3657600" algn="l" defTabSz="457200" rtl="0" eaLnBrk="1" latinLnBrk="0" hangingPunct="1">
-      <a:defRPr sz="1200" kern="1200">
+    <a:lvl9pPr marL="2612258" algn="l" defTabSz="326532" rtl="0" eaLnBrk="1" latinLnBrk="0" hangingPunct="1">
+      <a:defRPr sz="857" kern="1200">
         <a:solidFill>
           <a:schemeClr val="tx1"/>
         </a:solidFill>
@@ -489,7 +505,12 @@
             <p:ph type="sldImg"/>
           </p:nvPr>
         </p:nvSpPr>
-        <p:spPr/>
+        <p:spPr>
+          <a:xfrm>
+            <a:off x="857250" y="685800"/>
+            <a:ext cx="5143500" cy="3429000"/>
+          </a:xfrm>
+        </p:spPr>
       </p:sp>
       <p:sp>
         <p:nvSpPr>
@@ -575,8 +596,8 @@
         </p:nvSpPr>
         <p:spPr>
           <a:xfrm>
-            <a:off x="3291840" y="10226042"/>
-            <a:ext cx="37307520" cy="7056120"/>
+            <a:off x="2468880" y="6817361"/>
+            <a:ext cx="27980640" cy="4704080"/>
           </a:xfrm>
         </p:spPr>
         <p:txBody>
@@ -603,8 +624,8 @@
         </p:nvSpPr>
         <p:spPr>
           <a:xfrm>
-            <a:off x="6583680" y="18653760"/>
-            <a:ext cx="30723840" cy="8412480"/>
+            <a:off x="4937760" y="12435840"/>
+            <a:ext cx="23042880" cy="5608320"/>
           </a:xfrm>
         </p:spPr>
         <p:txBody>
@@ -620,7 +641,7 @@
                 </a:solidFill>
               </a:defRPr>
             </a:lvl1pPr>
-            <a:lvl2pPr marL="2194560" indent="0" algn="ctr">
+            <a:lvl2pPr marL="1463113" indent="0" algn="ctr">
               <a:buNone/>
               <a:defRPr>
                 <a:solidFill>
@@ -630,7 +651,7 @@
                 </a:solidFill>
               </a:defRPr>
             </a:lvl2pPr>
-            <a:lvl3pPr marL="4389120" indent="0" algn="ctr">
+            <a:lvl3pPr marL="2926226" indent="0" algn="ctr">
               <a:buNone/>
               <a:defRPr>
                 <a:solidFill>
@@ -640,7 +661,7 @@
                 </a:solidFill>
               </a:defRPr>
             </a:lvl3pPr>
-            <a:lvl4pPr marL="6583680" indent="0" algn="ctr">
+            <a:lvl4pPr marL="4389339" indent="0" algn="ctr">
               <a:buNone/>
               <a:defRPr>
                 <a:solidFill>
@@ -650,7 +671,7 @@
                 </a:solidFill>
               </a:defRPr>
             </a:lvl4pPr>
-            <a:lvl5pPr marL="8778240" indent="0" algn="ctr">
+            <a:lvl5pPr marL="5852453" indent="0" algn="ctr">
               <a:buNone/>
               <a:defRPr>
                 <a:solidFill>
@@ -660,7 +681,7 @@
                 </a:solidFill>
               </a:defRPr>
             </a:lvl5pPr>
-            <a:lvl6pPr marL="10972800" indent="0" algn="ctr">
+            <a:lvl6pPr marL="7315566" indent="0" algn="ctr">
               <a:buNone/>
               <a:defRPr>
                 <a:solidFill>
@@ -670,7 +691,7 @@
                 </a:solidFill>
               </a:defRPr>
             </a:lvl6pPr>
-            <a:lvl7pPr marL="13167360" indent="0" algn="ctr">
+            <a:lvl7pPr marL="8778679" indent="0" algn="ctr">
               <a:buNone/>
               <a:defRPr>
                 <a:solidFill>
@@ -680,7 +701,7 @@
                 </a:solidFill>
               </a:defRPr>
             </a:lvl7pPr>
-            <a:lvl8pPr marL="15361920" indent="0" algn="ctr">
+            <a:lvl8pPr marL="10241792" indent="0" algn="ctr">
               <a:buNone/>
               <a:defRPr>
                 <a:solidFill>
@@ -690,7 +711,7 @@
                 </a:solidFill>
               </a:defRPr>
             </a:lvl8pPr>
-            <a:lvl9pPr marL="17556480" indent="0" algn="ctr">
+            <a:lvl9pPr marL="11704905" indent="0" algn="ctr">
               <a:buNone/>
               <a:defRPr>
                 <a:solidFill>
@@ -728,7 +749,7 @@
             <a:fld id="{A1767462-AEA0-B941-A0F3-52FFEBCE0F65}" type="datetimeFigureOut">
               <a:rPr lang="en-US" smtClean="0"/>
               <a:pPr/>
-              <a:t>4/21/15</a:t>
+              <a:t>4/14/17</a:t>
             </a:fld>
             <a:endParaRPr lang="en-US"/>
           </a:p>
@@ -900,7 +921,7 @@
             <a:fld id="{A1767462-AEA0-B941-A0F3-52FFEBCE0F65}" type="datetimeFigureOut">
               <a:rPr lang="en-US" smtClean="0"/>
               <a:pPr/>
-              <a:t>4/21/15</a:t>
+              <a:t>4/14/17</a:t>
             </a:fld>
             <a:endParaRPr lang="en-US"/>
           </a:p>
@@ -991,8 +1012,8 @@
         </p:nvSpPr>
         <p:spPr>
           <a:xfrm>
-            <a:off x="152742905" y="6324600"/>
-            <a:ext cx="47404018" cy="134820662"/>
+            <a:off x="114557179" y="4216400"/>
+            <a:ext cx="35553014" cy="89880441"/>
           </a:xfrm>
         </p:spPr>
         <p:txBody>
@@ -1019,8 +1040,8 @@
         </p:nvSpPr>
         <p:spPr>
           <a:xfrm>
-            <a:off x="10530843" y="6324600"/>
-            <a:ext cx="141480542" cy="134820662"/>
+            <a:off x="7898132" y="4216400"/>
+            <a:ext cx="106110407" cy="89880441"/>
           </a:xfrm>
         </p:spPr>
         <p:txBody>
@@ -1082,7 +1103,7 @@
             <a:fld id="{A1767462-AEA0-B941-A0F3-52FFEBCE0F65}" type="datetimeFigureOut">
               <a:rPr lang="en-US" smtClean="0"/>
               <a:pPr/>
-              <a:t>4/21/15</a:t>
+              <a:t>4/14/17</a:t>
             </a:fld>
             <a:endParaRPr lang="en-US"/>
           </a:p>
@@ -1254,7 +1275,7 @@
             <a:fld id="{A1767462-AEA0-B941-A0F3-52FFEBCE0F65}" type="datetimeFigureOut">
               <a:rPr lang="en-US" smtClean="0"/>
               <a:pPr/>
-              <a:t>4/21/15</a:t>
+              <a:t>4/14/17</a:t>
             </a:fld>
             <a:endParaRPr lang="en-US"/>
           </a:p>
@@ -1345,15 +1366,15 @@
         </p:nvSpPr>
         <p:spPr>
           <a:xfrm>
-            <a:off x="3467102" y="21153122"/>
-            <a:ext cx="37307520" cy="6537960"/>
+            <a:off x="2600326" y="14102081"/>
+            <a:ext cx="27980640" cy="4358640"/>
           </a:xfrm>
         </p:spPr>
         <p:txBody>
           <a:bodyPr anchor="t"/>
           <a:lstStyle>
             <a:lvl1pPr algn="l">
-              <a:defRPr sz="19200" b="1" cap="all"/>
+              <a:defRPr sz="12801" b="1" cap="all"/>
             </a:lvl1pPr>
           </a:lstStyle>
           <a:p>
@@ -1377,8 +1398,8 @@
         </p:nvSpPr>
         <p:spPr>
           <a:xfrm>
-            <a:off x="3467102" y="13952225"/>
-            <a:ext cx="37307520" cy="7200898"/>
+            <a:off x="2600326" y="9301483"/>
+            <a:ext cx="27980640" cy="4800599"/>
           </a:xfrm>
         </p:spPr>
         <p:txBody>
@@ -1386,7 +1407,7 @@
           <a:lstStyle>
             <a:lvl1pPr marL="0" indent="0">
               <a:buNone/>
-              <a:defRPr sz="9600">
+              <a:defRPr sz="6400">
                 <a:solidFill>
                   <a:schemeClr val="tx1">
                     <a:tint val="75000"/>
@@ -1394,9 +1415,9 @@
                 </a:solidFill>
               </a:defRPr>
             </a:lvl1pPr>
-            <a:lvl2pPr marL="2194560" indent="0">
+            <a:lvl2pPr marL="1463113" indent="0">
               <a:buNone/>
-              <a:defRPr sz="8600">
+              <a:defRPr sz="5734">
                 <a:solidFill>
                   <a:schemeClr val="tx1">
                     <a:tint val="75000"/>
@@ -1404,9 +1425,9 @@
                 </a:solidFill>
               </a:defRPr>
             </a:lvl2pPr>
-            <a:lvl3pPr marL="4389120" indent="0">
+            <a:lvl3pPr marL="2926226" indent="0">
               <a:buNone/>
-              <a:defRPr sz="7700">
+              <a:defRPr sz="5134">
                 <a:solidFill>
                   <a:schemeClr val="tx1">
                     <a:tint val="75000"/>
@@ -1414,9 +1435,9 @@
                 </a:solidFill>
               </a:defRPr>
             </a:lvl3pPr>
-            <a:lvl4pPr marL="6583680" indent="0">
+            <a:lvl4pPr marL="4389339" indent="0">
               <a:buNone/>
-              <a:defRPr sz="6700">
+              <a:defRPr sz="4467">
                 <a:solidFill>
                   <a:schemeClr val="tx1">
                     <a:tint val="75000"/>
@@ -1424,9 +1445,9 @@
                 </a:solidFill>
               </a:defRPr>
             </a:lvl4pPr>
-            <a:lvl5pPr marL="8778240" indent="0">
+            <a:lvl5pPr marL="5852453" indent="0">
               <a:buNone/>
-              <a:defRPr sz="6700">
+              <a:defRPr sz="4467">
                 <a:solidFill>
                   <a:schemeClr val="tx1">
                     <a:tint val="75000"/>
@@ -1434,9 +1455,9 @@
                 </a:solidFill>
               </a:defRPr>
             </a:lvl5pPr>
-            <a:lvl6pPr marL="10972800" indent="0">
+            <a:lvl6pPr marL="7315566" indent="0">
               <a:buNone/>
-              <a:defRPr sz="6700">
+              <a:defRPr sz="4467">
                 <a:solidFill>
                   <a:schemeClr val="tx1">
                     <a:tint val="75000"/>
@@ -1444,9 +1465,9 @@
                 </a:solidFill>
               </a:defRPr>
             </a:lvl6pPr>
-            <a:lvl7pPr marL="13167360" indent="0">
+            <a:lvl7pPr marL="8778679" indent="0">
               <a:buNone/>
-              <a:defRPr sz="6700">
+              <a:defRPr sz="4467">
                 <a:solidFill>
                   <a:schemeClr val="tx1">
                     <a:tint val="75000"/>
@@ -1454,9 +1475,9 @@
                 </a:solidFill>
               </a:defRPr>
             </a:lvl7pPr>
-            <a:lvl8pPr marL="15361920" indent="0">
+            <a:lvl8pPr marL="10241792" indent="0">
               <a:buNone/>
-              <a:defRPr sz="6700">
+              <a:defRPr sz="4467">
                 <a:solidFill>
                   <a:schemeClr val="tx1">
                     <a:tint val="75000"/>
@@ -1464,9 +1485,9 @@
                 </a:solidFill>
               </a:defRPr>
             </a:lvl8pPr>
-            <a:lvl9pPr marL="17556480" indent="0">
+            <a:lvl9pPr marL="11704905" indent="0">
               <a:buNone/>
-              <a:defRPr sz="6700">
+              <a:defRPr sz="4467">
                 <a:solidFill>
                   <a:schemeClr val="tx1">
                     <a:tint val="75000"/>
@@ -1502,7 +1523,7 @@
             <a:fld id="{A1767462-AEA0-B941-A0F3-52FFEBCE0F65}" type="datetimeFigureOut">
               <a:rPr lang="en-US" smtClean="0"/>
               <a:pPr/>
-              <a:t>4/21/15</a:t>
+              <a:t>4/14/17</a:t>
             </a:fld>
             <a:endParaRPr lang="en-US"/>
           </a:p>
@@ -1616,39 +1637,39 @@
         </p:nvSpPr>
         <p:spPr>
           <a:xfrm>
-            <a:off x="10530842" y="36865560"/>
-            <a:ext cx="94442280" cy="104279702"/>
+            <a:off x="7898132" y="24577040"/>
+            <a:ext cx="70831710" cy="69519801"/>
           </a:xfrm>
         </p:spPr>
         <p:txBody>
           <a:bodyPr/>
           <a:lstStyle>
             <a:lvl1pPr>
-              <a:defRPr sz="13400"/>
+              <a:defRPr sz="8934"/>
             </a:lvl1pPr>
             <a:lvl2pPr>
-              <a:defRPr sz="11500"/>
+              <a:defRPr sz="7667"/>
             </a:lvl2pPr>
             <a:lvl3pPr>
-              <a:defRPr sz="9600"/>
+              <a:defRPr sz="6400"/>
             </a:lvl3pPr>
             <a:lvl4pPr>
-              <a:defRPr sz="8600"/>
+              <a:defRPr sz="5734"/>
             </a:lvl4pPr>
             <a:lvl5pPr>
-              <a:defRPr sz="8600"/>
+              <a:defRPr sz="5734"/>
             </a:lvl5pPr>
             <a:lvl6pPr>
-              <a:defRPr sz="8600"/>
+              <a:defRPr sz="5734"/>
             </a:lvl6pPr>
             <a:lvl7pPr>
-              <a:defRPr sz="8600"/>
+              <a:defRPr sz="5734"/>
             </a:lvl7pPr>
             <a:lvl8pPr>
-              <a:defRPr sz="8600"/>
+              <a:defRPr sz="5734"/>
             </a:lvl8pPr>
             <a:lvl9pPr>
-              <a:defRPr sz="8600"/>
+              <a:defRPr sz="5734"/>
             </a:lvl9pPr>
           </a:lstStyle>
           <a:p>
@@ -1701,39 +1722,39 @@
         </p:nvSpPr>
         <p:spPr>
           <a:xfrm>
-            <a:off x="105704642" y="36865560"/>
-            <a:ext cx="94442280" cy="104279702"/>
+            <a:off x="79278482" y="24577040"/>
+            <a:ext cx="70831710" cy="69519801"/>
           </a:xfrm>
         </p:spPr>
         <p:txBody>
           <a:bodyPr/>
           <a:lstStyle>
             <a:lvl1pPr>
-              <a:defRPr sz="13400"/>
+              <a:defRPr sz="8934"/>
             </a:lvl1pPr>
             <a:lvl2pPr>
-              <a:defRPr sz="11500"/>
+              <a:defRPr sz="7667"/>
             </a:lvl2pPr>
             <a:lvl3pPr>
-              <a:defRPr sz="9600"/>
+              <a:defRPr sz="6400"/>
             </a:lvl3pPr>
             <a:lvl4pPr>
-              <a:defRPr sz="8600"/>
+              <a:defRPr sz="5734"/>
             </a:lvl4pPr>
             <a:lvl5pPr>
-              <a:defRPr sz="8600"/>
+              <a:defRPr sz="5734"/>
             </a:lvl5pPr>
             <a:lvl6pPr>
-              <a:defRPr sz="8600"/>
+              <a:defRPr sz="5734"/>
             </a:lvl6pPr>
             <a:lvl7pPr>
-              <a:defRPr sz="8600"/>
+              <a:defRPr sz="5734"/>
             </a:lvl7pPr>
             <a:lvl8pPr>
-              <a:defRPr sz="8600"/>
+              <a:defRPr sz="5734"/>
             </a:lvl8pPr>
             <a:lvl9pPr>
-              <a:defRPr sz="8600"/>
+              <a:defRPr sz="5734"/>
             </a:lvl9pPr>
           </a:lstStyle>
           <a:p>
@@ -1792,7 +1813,7 @@
             <a:fld id="{A1767462-AEA0-B941-A0F3-52FFEBCE0F65}" type="datetimeFigureOut">
               <a:rPr lang="en-US" smtClean="0"/>
               <a:pPr/>
-              <a:t>4/21/15</a:t>
+              <a:t>4/14/17</a:t>
             </a:fld>
             <a:endParaRPr lang="en-US"/>
           </a:p>
@@ -1883,8 +1904,8 @@
         </p:nvSpPr>
         <p:spPr>
           <a:xfrm>
-            <a:off x="2194560" y="1318262"/>
-            <a:ext cx="39502080" cy="5486400"/>
+            <a:off x="1645920" y="878841"/>
+            <a:ext cx="29626560" cy="3657600"/>
           </a:xfrm>
         </p:spPr>
         <p:txBody>
@@ -1915,8 +1936,8 @@
         </p:nvSpPr>
         <p:spPr>
           <a:xfrm>
-            <a:off x="2194560" y="7368542"/>
-            <a:ext cx="19392902" cy="3070858"/>
+            <a:off x="1645920" y="4912361"/>
+            <a:ext cx="14544677" cy="2047239"/>
           </a:xfrm>
         </p:spPr>
         <p:txBody>
@@ -1924,39 +1945,39 @@
           <a:lstStyle>
             <a:lvl1pPr marL="0" indent="0">
               <a:buNone/>
-              <a:defRPr sz="11500" b="1"/>
+              <a:defRPr sz="7667" b="1"/>
             </a:lvl1pPr>
-            <a:lvl2pPr marL="2194560" indent="0">
+            <a:lvl2pPr marL="1463113" indent="0">
               <a:buNone/>
-              <a:defRPr sz="9600" b="1"/>
+              <a:defRPr sz="6400" b="1"/>
             </a:lvl2pPr>
-            <a:lvl3pPr marL="4389120" indent="0">
+            <a:lvl3pPr marL="2926226" indent="0">
               <a:buNone/>
-              <a:defRPr sz="8600" b="1"/>
+              <a:defRPr sz="5734" b="1"/>
             </a:lvl3pPr>
-            <a:lvl4pPr marL="6583680" indent="0">
+            <a:lvl4pPr marL="4389339" indent="0">
               <a:buNone/>
-              <a:defRPr sz="7700" b="1"/>
+              <a:defRPr sz="5134" b="1"/>
             </a:lvl4pPr>
-            <a:lvl5pPr marL="8778240" indent="0">
+            <a:lvl5pPr marL="5852453" indent="0">
               <a:buNone/>
-              <a:defRPr sz="7700" b="1"/>
+              <a:defRPr sz="5134" b="1"/>
             </a:lvl5pPr>
-            <a:lvl6pPr marL="10972800" indent="0">
+            <a:lvl6pPr marL="7315566" indent="0">
               <a:buNone/>
-              <a:defRPr sz="7700" b="1"/>
+              <a:defRPr sz="5134" b="1"/>
             </a:lvl6pPr>
-            <a:lvl7pPr marL="13167360" indent="0">
+            <a:lvl7pPr marL="8778679" indent="0">
               <a:buNone/>
-              <a:defRPr sz="7700" b="1"/>
+              <a:defRPr sz="5134" b="1"/>
             </a:lvl7pPr>
-            <a:lvl8pPr marL="15361920" indent="0">
+            <a:lvl8pPr marL="10241792" indent="0">
               <a:buNone/>
-              <a:defRPr sz="7700" b="1"/>
+              <a:defRPr sz="5134" b="1"/>
             </a:lvl8pPr>
-            <a:lvl9pPr marL="17556480" indent="0">
+            <a:lvl9pPr marL="11704905" indent="0">
               <a:buNone/>
-              <a:defRPr sz="7700" b="1"/>
+              <a:defRPr sz="5134" b="1"/>
             </a:lvl9pPr>
           </a:lstStyle>
           <a:p>
@@ -1980,39 +2001,39 @@
         </p:nvSpPr>
         <p:spPr>
           <a:xfrm>
-            <a:off x="2194560" y="10439400"/>
-            <a:ext cx="19392902" cy="18966182"/>
+            <a:off x="1645920" y="6959600"/>
+            <a:ext cx="14544677" cy="12644121"/>
           </a:xfrm>
         </p:spPr>
         <p:txBody>
           <a:bodyPr/>
           <a:lstStyle>
             <a:lvl1pPr>
-              <a:defRPr sz="11500"/>
+              <a:defRPr sz="7667"/>
             </a:lvl1pPr>
             <a:lvl2pPr>
-              <a:defRPr sz="9600"/>
+              <a:defRPr sz="6400"/>
             </a:lvl2pPr>
             <a:lvl3pPr>
-              <a:defRPr sz="8600"/>
+              <a:defRPr sz="5734"/>
             </a:lvl3pPr>
             <a:lvl4pPr>
-              <a:defRPr sz="7700"/>
+              <a:defRPr sz="5134"/>
             </a:lvl4pPr>
             <a:lvl5pPr>
-              <a:defRPr sz="7700"/>
+              <a:defRPr sz="5134"/>
             </a:lvl5pPr>
             <a:lvl6pPr>
-              <a:defRPr sz="7700"/>
+              <a:defRPr sz="5134"/>
             </a:lvl6pPr>
             <a:lvl7pPr>
-              <a:defRPr sz="7700"/>
+              <a:defRPr sz="5134"/>
             </a:lvl7pPr>
             <a:lvl8pPr>
-              <a:defRPr sz="7700"/>
+              <a:defRPr sz="5134"/>
             </a:lvl8pPr>
             <a:lvl9pPr>
-              <a:defRPr sz="7700"/>
+              <a:defRPr sz="5134"/>
             </a:lvl9pPr>
           </a:lstStyle>
           <a:p>
@@ -2065,8 +2086,8 @@
         </p:nvSpPr>
         <p:spPr>
           <a:xfrm>
-            <a:off x="22296122" y="7368542"/>
-            <a:ext cx="19400520" cy="3070858"/>
+            <a:off x="16722092" y="4912361"/>
+            <a:ext cx="14550390" cy="2047239"/>
           </a:xfrm>
         </p:spPr>
         <p:txBody>
@@ -2074,39 +2095,39 @@
           <a:lstStyle>
             <a:lvl1pPr marL="0" indent="0">
               <a:buNone/>
-              <a:defRPr sz="11500" b="1"/>
+              <a:defRPr sz="7667" b="1"/>
             </a:lvl1pPr>
-            <a:lvl2pPr marL="2194560" indent="0">
+            <a:lvl2pPr marL="1463113" indent="0">
               <a:buNone/>
-              <a:defRPr sz="9600" b="1"/>
+              <a:defRPr sz="6400" b="1"/>
             </a:lvl2pPr>
-            <a:lvl3pPr marL="4389120" indent="0">
+            <a:lvl3pPr marL="2926226" indent="0">
               <a:buNone/>
-              <a:defRPr sz="8600" b="1"/>
+              <a:defRPr sz="5734" b="1"/>
             </a:lvl3pPr>
-            <a:lvl4pPr marL="6583680" indent="0">
+            <a:lvl4pPr marL="4389339" indent="0">
               <a:buNone/>
-              <a:defRPr sz="7700" b="1"/>
+              <a:defRPr sz="5134" b="1"/>
             </a:lvl4pPr>
-            <a:lvl5pPr marL="8778240" indent="0">
+            <a:lvl5pPr marL="5852453" indent="0">
               <a:buNone/>
-              <a:defRPr sz="7700" b="1"/>
+              <a:defRPr sz="5134" b="1"/>
             </a:lvl5pPr>
-            <a:lvl6pPr marL="10972800" indent="0">
+            <a:lvl6pPr marL="7315566" indent="0">
               <a:buNone/>
-              <a:defRPr sz="7700" b="1"/>
+              <a:defRPr sz="5134" b="1"/>
             </a:lvl6pPr>
-            <a:lvl7pPr marL="13167360" indent="0">
+            <a:lvl7pPr marL="8778679" indent="0">
               <a:buNone/>
-              <a:defRPr sz="7700" b="1"/>
+              <a:defRPr sz="5134" b="1"/>
             </a:lvl7pPr>
-            <a:lvl8pPr marL="15361920" indent="0">
+            <a:lvl8pPr marL="10241792" indent="0">
               <a:buNone/>
-              <a:defRPr sz="7700" b="1"/>
+              <a:defRPr sz="5134" b="1"/>
             </a:lvl8pPr>
-            <a:lvl9pPr marL="17556480" indent="0">
+            <a:lvl9pPr marL="11704905" indent="0">
               <a:buNone/>
-              <a:defRPr sz="7700" b="1"/>
+              <a:defRPr sz="5134" b="1"/>
             </a:lvl9pPr>
           </a:lstStyle>
           <a:p>
@@ -2130,39 +2151,39 @@
         </p:nvSpPr>
         <p:spPr>
           <a:xfrm>
-            <a:off x="22296122" y="10439400"/>
-            <a:ext cx="19400520" cy="18966182"/>
+            <a:off x="16722092" y="6959600"/>
+            <a:ext cx="14550390" cy="12644121"/>
           </a:xfrm>
         </p:spPr>
         <p:txBody>
           <a:bodyPr/>
           <a:lstStyle>
             <a:lvl1pPr>
-              <a:defRPr sz="11500"/>
+              <a:defRPr sz="7667"/>
             </a:lvl1pPr>
             <a:lvl2pPr>
-              <a:defRPr sz="9600"/>
+              <a:defRPr sz="6400"/>
             </a:lvl2pPr>
             <a:lvl3pPr>
-              <a:defRPr sz="8600"/>
+              <a:defRPr sz="5734"/>
             </a:lvl3pPr>
             <a:lvl4pPr>
-              <a:defRPr sz="7700"/>
+              <a:defRPr sz="5134"/>
             </a:lvl4pPr>
             <a:lvl5pPr>
-              <a:defRPr sz="7700"/>
+              <a:defRPr sz="5134"/>
             </a:lvl5pPr>
             <a:lvl6pPr>
-              <a:defRPr sz="7700"/>
+              <a:defRPr sz="5134"/>
             </a:lvl6pPr>
             <a:lvl7pPr>
-              <a:defRPr sz="7700"/>
+              <a:defRPr sz="5134"/>
             </a:lvl7pPr>
             <a:lvl8pPr>
-              <a:defRPr sz="7700"/>
+              <a:defRPr sz="5134"/>
             </a:lvl8pPr>
             <a:lvl9pPr>
-              <a:defRPr sz="7700"/>
+              <a:defRPr sz="5134"/>
             </a:lvl9pPr>
           </a:lstStyle>
           <a:p>
@@ -2221,7 +2242,7 @@
             <a:fld id="{A1767462-AEA0-B941-A0F3-52FFEBCE0F65}" type="datetimeFigureOut">
               <a:rPr lang="en-US" smtClean="0"/>
               <a:pPr/>
-              <a:t>4/21/15</a:t>
+              <a:t>4/14/17</a:t>
             </a:fld>
             <a:endParaRPr lang="en-US"/>
           </a:p>
@@ -2341,7 +2362,7 @@
             <a:fld id="{A1767462-AEA0-B941-A0F3-52FFEBCE0F65}" type="datetimeFigureOut">
               <a:rPr lang="en-US" smtClean="0"/>
               <a:pPr/>
-              <a:t>4/21/15</a:t>
+              <a:t>4/14/17</a:t>
             </a:fld>
             <a:endParaRPr lang="en-US"/>
           </a:p>
@@ -2438,7 +2459,7 @@
             <a:fld id="{A1767462-AEA0-B941-A0F3-52FFEBCE0F65}" type="datetimeFigureOut">
               <a:rPr lang="en-US" smtClean="0"/>
               <a:pPr/>
-              <a:t>4/21/15</a:t>
+              <a:t>4/14/17</a:t>
             </a:fld>
             <a:endParaRPr lang="en-US"/>
           </a:p>
@@ -2529,15 +2550,15 @@
         </p:nvSpPr>
         <p:spPr>
           <a:xfrm>
-            <a:off x="2194563" y="1310640"/>
-            <a:ext cx="14439902" cy="5577840"/>
+            <a:off x="1645922" y="873760"/>
+            <a:ext cx="10829927" cy="3718560"/>
           </a:xfrm>
         </p:spPr>
         <p:txBody>
           <a:bodyPr anchor="b"/>
           <a:lstStyle>
             <a:lvl1pPr algn="l">
-              <a:defRPr sz="9600" b="1"/>
+              <a:defRPr sz="6400" b="1"/>
             </a:lvl1pPr>
           </a:lstStyle>
           <a:p>
@@ -2561,39 +2582,39 @@
         </p:nvSpPr>
         <p:spPr>
           <a:xfrm>
-            <a:off x="17160240" y="1310643"/>
-            <a:ext cx="24536400" cy="28094942"/>
+            <a:off x="12870180" y="873762"/>
+            <a:ext cx="18402300" cy="18729961"/>
           </a:xfrm>
         </p:spPr>
         <p:txBody>
           <a:bodyPr/>
           <a:lstStyle>
             <a:lvl1pPr>
-              <a:defRPr sz="15400"/>
+              <a:defRPr sz="10267"/>
             </a:lvl1pPr>
             <a:lvl2pPr>
-              <a:defRPr sz="13400"/>
+              <a:defRPr sz="8934"/>
             </a:lvl2pPr>
             <a:lvl3pPr>
-              <a:defRPr sz="11500"/>
+              <a:defRPr sz="7667"/>
             </a:lvl3pPr>
             <a:lvl4pPr>
-              <a:defRPr sz="9600"/>
+              <a:defRPr sz="6400"/>
             </a:lvl4pPr>
             <a:lvl5pPr>
-              <a:defRPr sz="9600"/>
+              <a:defRPr sz="6400"/>
             </a:lvl5pPr>
             <a:lvl6pPr>
-              <a:defRPr sz="9600"/>
+              <a:defRPr sz="6400"/>
             </a:lvl6pPr>
             <a:lvl7pPr>
-              <a:defRPr sz="9600"/>
+              <a:defRPr sz="6400"/>
             </a:lvl7pPr>
             <a:lvl8pPr>
-              <a:defRPr sz="9600"/>
+              <a:defRPr sz="6400"/>
             </a:lvl8pPr>
             <a:lvl9pPr>
-              <a:defRPr sz="9600"/>
+              <a:defRPr sz="6400"/>
             </a:lvl9pPr>
           </a:lstStyle>
           <a:p>
@@ -2646,8 +2667,8 @@
         </p:nvSpPr>
         <p:spPr>
           <a:xfrm>
-            <a:off x="2194563" y="6888483"/>
-            <a:ext cx="14439902" cy="22517102"/>
+            <a:off x="1645922" y="4592322"/>
+            <a:ext cx="10829927" cy="15011401"/>
           </a:xfrm>
         </p:spPr>
         <p:txBody>
@@ -2655,39 +2676,39 @@
           <a:lstStyle>
             <a:lvl1pPr marL="0" indent="0">
               <a:buNone/>
-              <a:defRPr sz="6700"/>
+              <a:defRPr sz="4467"/>
             </a:lvl1pPr>
-            <a:lvl2pPr marL="2194560" indent="0">
+            <a:lvl2pPr marL="1463113" indent="0">
               <a:buNone/>
-              <a:defRPr sz="5800"/>
+              <a:defRPr sz="3867"/>
             </a:lvl2pPr>
-            <a:lvl3pPr marL="4389120" indent="0">
+            <a:lvl3pPr marL="2926226" indent="0">
               <a:buNone/>
-              <a:defRPr sz="4800"/>
+              <a:defRPr sz="3200"/>
             </a:lvl3pPr>
-            <a:lvl4pPr marL="6583680" indent="0">
+            <a:lvl4pPr marL="4389339" indent="0">
               <a:buNone/>
-              <a:defRPr sz="4300"/>
+              <a:defRPr sz="2867"/>
             </a:lvl4pPr>
-            <a:lvl5pPr marL="8778240" indent="0">
+            <a:lvl5pPr marL="5852453" indent="0">
               <a:buNone/>
-              <a:defRPr sz="4300"/>
+              <a:defRPr sz="2867"/>
             </a:lvl5pPr>
-            <a:lvl6pPr marL="10972800" indent="0">
+            <a:lvl6pPr marL="7315566" indent="0">
               <a:buNone/>
-              <a:defRPr sz="4300"/>
+              <a:defRPr sz="2867"/>
             </a:lvl6pPr>
-            <a:lvl7pPr marL="13167360" indent="0">
+            <a:lvl7pPr marL="8778679" indent="0">
               <a:buNone/>
-              <a:defRPr sz="4300"/>
+              <a:defRPr sz="2867"/>
             </a:lvl7pPr>
-            <a:lvl8pPr marL="15361920" indent="0">
+            <a:lvl8pPr marL="10241792" indent="0">
               <a:buNone/>
-              <a:defRPr sz="4300"/>
+              <a:defRPr sz="2867"/>
             </a:lvl8pPr>
-            <a:lvl9pPr marL="17556480" indent="0">
+            <a:lvl9pPr marL="11704905" indent="0">
               <a:buNone/>
-              <a:defRPr sz="4300"/>
+              <a:defRPr sz="2867"/>
             </a:lvl9pPr>
           </a:lstStyle>
           <a:p>
@@ -2717,7 +2738,7 @@
             <a:fld id="{A1767462-AEA0-B941-A0F3-52FFEBCE0F65}" type="datetimeFigureOut">
               <a:rPr lang="en-US" smtClean="0"/>
               <a:pPr/>
-              <a:t>4/21/15</a:t>
+              <a:t>4/14/17</a:t>
             </a:fld>
             <a:endParaRPr lang="en-US"/>
           </a:p>
@@ -2808,15 +2829,15 @@
         </p:nvSpPr>
         <p:spPr>
           <a:xfrm>
-            <a:off x="8602982" y="23042880"/>
-            <a:ext cx="26334720" cy="2720342"/>
+            <a:off x="6452237" y="15361920"/>
+            <a:ext cx="19751040" cy="1813561"/>
           </a:xfrm>
         </p:spPr>
         <p:txBody>
           <a:bodyPr anchor="b"/>
           <a:lstStyle>
             <a:lvl1pPr algn="l">
-              <a:defRPr sz="9600" b="1"/>
+              <a:defRPr sz="6400" b="1"/>
             </a:lvl1pPr>
           </a:lstStyle>
           <a:p>
@@ -2840,8 +2861,8 @@
         </p:nvSpPr>
         <p:spPr>
           <a:xfrm>
-            <a:off x="8602982" y="2941320"/>
-            <a:ext cx="26334720" cy="19751040"/>
+            <a:off x="6452237" y="1960880"/>
+            <a:ext cx="19751040" cy="13167360"/>
           </a:xfrm>
         </p:spPr>
         <p:txBody>
@@ -2849,39 +2870,39 @@
           <a:lstStyle>
             <a:lvl1pPr marL="0" indent="0">
               <a:buNone/>
-              <a:defRPr sz="15400"/>
+              <a:defRPr sz="10267"/>
             </a:lvl1pPr>
-            <a:lvl2pPr marL="2194560" indent="0">
+            <a:lvl2pPr marL="1463113" indent="0">
               <a:buNone/>
-              <a:defRPr sz="13400"/>
+              <a:defRPr sz="8934"/>
             </a:lvl2pPr>
-            <a:lvl3pPr marL="4389120" indent="0">
+            <a:lvl3pPr marL="2926226" indent="0">
               <a:buNone/>
-              <a:defRPr sz="11500"/>
+              <a:defRPr sz="7667"/>
             </a:lvl3pPr>
-            <a:lvl4pPr marL="6583680" indent="0">
+            <a:lvl4pPr marL="4389339" indent="0">
               <a:buNone/>
-              <a:defRPr sz="9600"/>
+              <a:defRPr sz="6400"/>
             </a:lvl4pPr>
-            <a:lvl5pPr marL="8778240" indent="0">
+            <a:lvl5pPr marL="5852453" indent="0">
               <a:buNone/>
-              <a:defRPr sz="9600"/>
+              <a:defRPr sz="6400"/>
             </a:lvl5pPr>
-            <a:lvl6pPr marL="10972800" indent="0">
+            <a:lvl6pPr marL="7315566" indent="0">
               <a:buNone/>
-              <a:defRPr sz="9600"/>
+              <a:defRPr sz="6400"/>
             </a:lvl6pPr>
-            <a:lvl7pPr marL="13167360" indent="0">
+            <a:lvl7pPr marL="8778679" indent="0">
               <a:buNone/>
-              <a:defRPr sz="9600"/>
+              <a:defRPr sz="6400"/>
             </a:lvl7pPr>
-            <a:lvl8pPr marL="15361920" indent="0">
+            <a:lvl8pPr marL="10241792" indent="0">
               <a:buNone/>
-              <a:defRPr sz="9600"/>
+              <a:defRPr sz="6400"/>
             </a:lvl8pPr>
-            <a:lvl9pPr marL="17556480" indent="0">
+            <a:lvl9pPr marL="11704905" indent="0">
               <a:buNone/>
-              <a:defRPr sz="9600"/>
+              <a:defRPr sz="6400"/>
             </a:lvl9pPr>
           </a:lstStyle>
           <a:p>
@@ -2901,8 +2922,8 @@
         </p:nvSpPr>
         <p:spPr>
           <a:xfrm>
-            <a:off x="8602982" y="25763222"/>
-            <a:ext cx="26334720" cy="3863338"/>
+            <a:off x="6452237" y="17175481"/>
+            <a:ext cx="19751040" cy="2575559"/>
           </a:xfrm>
         </p:spPr>
         <p:txBody>
@@ -2910,39 +2931,39 @@
           <a:lstStyle>
             <a:lvl1pPr marL="0" indent="0">
               <a:buNone/>
-              <a:defRPr sz="6700"/>
+              <a:defRPr sz="4467"/>
             </a:lvl1pPr>
-            <a:lvl2pPr marL="2194560" indent="0">
+            <a:lvl2pPr marL="1463113" indent="0">
               <a:buNone/>
-              <a:defRPr sz="5800"/>
+              <a:defRPr sz="3867"/>
             </a:lvl2pPr>
-            <a:lvl3pPr marL="4389120" indent="0">
+            <a:lvl3pPr marL="2926226" indent="0">
               <a:buNone/>
-              <a:defRPr sz="4800"/>
+              <a:defRPr sz="3200"/>
             </a:lvl3pPr>
-            <a:lvl4pPr marL="6583680" indent="0">
+            <a:lvl4pPr marL="4389339" indent="0">
               <a:buNone/>
-              <a:defRPr sz="4300"/>
+              <a:defRPr sz="2867"/>
             </a:lvl4pPr>
-            <a:lvl5pPr marL="8778240" indent="0">
+            <a:lvl5pPr marL="5852453" indent="0">
               <a:buNone/>
-              <a:defRPr sz="4300"/>
+              <a:defRPr sz="2867"/>
             </a:lvl5pPr>
-            <a:lvl6pPr marL="10972800" indent="0">
+            <a:lvl6pPr marL="7315566" indent="0">
               <a:buNone/>
-              <a:defRPr sz="4300"/>
+              <a:defRPr sz="2867"/>
             </a:lvl6pPr>
-            <a:lvl7pPr marL="13167360" indent="0">
+            <a:lvl7pPr marL="8778679" indent="0">
               <a:buNone/>
-              <a:defRPr sz="4300"/>
+              <a:defRPr sz="2867"/>
             </a:lvl7pPr>
-            <a:lvl8pPr marL="15361920" indent="0">
+            <a:lvl8pPr marL="10241792" indent="0">
               <a:buNone/>
-              <a:defRPr sz="4300"/>
+              <a:defRPr sz="2867"/>
             </a:lvl8pPr>
-            <a:lvl9pPr marL="17556480" indent="0">
+            <a:lvl9pPr marL="11704905" indent="0">
               <a:buNone/>
-              <a:defRPr sz="4300"/>
+              <a:defRPr sz="2867"/>
             </a:lvl9pPr>
           </a:lstStyle>
           <a:p>
@@ -2972,7 +2993,7 @@
             <a:fld id="{A1767462-AEA0-B941-A0F3-52FFEBCE0F65}" type="datetimeFigureOut">
               <a:rPr lang="en-US" smtClean="0"/>
               <a:pPr/>
-              <a:t>4/21/15</a:t>
+              <a:t>4/14/17</a:t>
             </a:fld>
             <a:endParaRPr lang="en-US"/>
           </a:p>
@@ -3068,8 +3089,8 @@
         </p:nvSpPr>
         <p:spPr>
           <a:xfrm>
-            <a:off x="2194560" y="1318262"/>
-            <a:ext cx="39502080" cy="5486400"/>
+            <a:off x="1645920" y="878841"/>
+            <a:ext cx="29626560" cy="3657600"/>
           </a:xfrm>
           <a:prstGeom prst="rect">
             <a:avLst/>
@@ -3101,8 +3122,8 @@
         </p:nvSpPr>
         <p:spPr>
           <a:xfrm>
-            <a:off x="2194560" y="7680963"/>
-            <a:ext cx="39502080" cy="21724622"/>
+            <a:off x="1645920" y="5120642"/>
+            <a:ext cx="29626560" cy="14483081"/>
           </a:xfrm>
           <a:prstGeom prst="rect">
             <a:avLst/>
@@ -3163,8 +3184,8 @@
         </p:nvSpPr>
         <p:spPr>
           <a:xfrm>
-            <a:off x="2194560" y="30510482"/>
-            <a:ext cx="10241280" cy="1752600"/>
+            <a:off x="1645920" y="20340321"/>
+            <a:ext cx="7680960" cy="1168400"/>
           </a:xfrm>
           <a:prstGeom prst="rect">
             <a:avLst/>
@@ -3174,7 +3195,7 @@
           <a:bodyPr vert="horz" lIns="438912" tIns="219456" rIns="438912" bIns="219456" rtlCol="0" anchor="ctr"/>
           <a:lstStyle>
             <a:lvl1pPr algn="l">
-              <a:defRPr sz="5800">
+              <a:defRPr sz="3867">
                 <a:solidFill>
                   <a:schemeClr val="tx1">
                     <a:tint val="75000"/>
@@ -3187,7 +3208,7 @@
             <a:fld id="{A1767462-AEA0-B941-A0F3-52FFEBCE0F65}" type="datetimeFigureOut">
               <a:rPr lang="en-US" smtClean="0"/>
               <a:pPr/>
-              <a:t>4/21/15</a:t>
+              <a:t>4/14/17</a:t>
             </a:fld>
             <a:endParaRPr lang="en-US"/>
           </a:p>
@@ -3205,8 +3226,8 @@
         </p:nvSpPr>
         <p:spPr>
           <a:xfrm>
-            <a:off x="14996160" y="30510482"/>
-            <a:ext cx="13898880" cy="1752600"/>
+            <a:off x="11247120" y="20340321"/>
+            <a:ext cx="10424160" cy="1168400"/>
           </a:xfrm>
           <a:prstGeom prst="rect">
             <a:avLst/>
@@ -3216,7 +3237,7 @@
           <a:bodyPr vert="horz" lIns="438912" tIns="219456" rIns="438912" bIns="219456" rtlCol="0" anchor="ctr"/>
           <a:lstStyle>
             <a:lvl1pPr algn="ctr">
-              <a:defRPr sz="5800">
+              <a:defRPr sz="3867">
                 <a:solidFill>
                   <a:schemeClr val="tx1">
                     <a:tint val="75000"/>
@@ -3242,8 +3263,8 @@
         </p:nvSpPr>
         <p:spPr>
           <a:xfrm>
-            <a:off x="31455360" y="30510482"/>
-            <a:ext cx="10241280" cy="1752600"/>
+            <a:off x="23591520" y="20340321"/>
+            <a:ext cx="7680960" cy="1168400"/>
           </a:xfrm>
           <a:prstGeom prst="rect">
             <a:avLst/>
@@ -3253,7 +3274,7 @@
           <a:bodyPr vert="horz" lIns="438912" tIns="219456" rIns="438912" bIns="219456" rtlCol="0" anchor="ctr"/>
           <a:lstStyle>
             <a:lvl1pPr algn="r">
-              <a:defRPr sz="5800">
+              <a:defRPr sz="3867">
                 <a:solidFill>
                   <a:schemeClr val="tx1">
                     <a:tint val="75000"/>
@@ -3295,12 +3316,12 @@
   </p:sldLayoutIdLst>
   <p:txStyles>
     <p:titleStyle>
-      <a:lvl1pPr algn="ctr" defTabSz="2194560" rtl="0" eaLnBrk="1" latinLnBrk="0" hangingPunct="1">
+      <a:lvl1pPr algn="ctr" defTabSz="1463113" rtl="0" eaLnBrk="1" latinLnBrk="0" hangingPunct="1">
         <a:spcBef>
           <a:spcPct val="0"/>
         </a:spcBef>
         <a:buNone/>
-        <a:defRPr sz="21100" kern="1200">
+        <a:defRPr sz="14067" kern="1200">
           <a:solidFill>
             <a:schemeClr val="tx1"/>
           </a:solidFill>
@@ -3311,13 +3332,13 @@
       </a:lvl1pPr>
     </p:titleStyle>
     <p:bodyStyle>
-      <a:lvl1pPr marL="1645920" indent="-1645920" algn="l" defTabSz="2194560" rtl="0" eaLnBrk="1" latinLnBrk="0" hangingPunct="1">
+      <a:lvl1pPr marL="1097335" indent="-1097335" algn="l" defTabSz="1463113" rtl="0" eaLnBrk="1" latinLnBrk="0" hangingPunct="1">
         <a:spcBef>
           <a:spcPct val="20000"/>
         </a:spcBef>
         <a:buFont typeface="Arial"/>
         <a:buChar char="•"/>
-        <a:defRPr sz="15400" kern="1200">
+        <a:defRPr sz="10267" kern="1200">
           <a:solidFill>
             <a:schemeClr val="tx1"/>
           </a:solidFill>
@@ -3326,13 +3347,13 @@
           <a:cs typeface="+mn-cs"/>
         </a:defRPr>
       </a:lvl1pPr>
-      <a:lvl2pPr marL="3566160" indent="-1371600" algn="l" defTabSz="2194560" rtl="0" eaLnBrk="1" latinLnBrk="0" hangingPunct="1">
+      <a:lvl2pPr marL="2377559" indent="-914446" algn="l" defTabSz="1463113" rtl="0" eaLnBrk="1" latinLnBrk="0" hangingPunct="1">
         <a:spcBef>
           <a:spcPct val="20000"/>
         </a:spcBef>
         <a:buFont typeface="Arial"/>
         <a:buChar char="–"/>
-        <a:defRPr sz="13400" kern="1200">
+        <a:defRPr sz="8934" kern="1200">
           <a:solidFill>
             <a:schemeClr val="tx1"/>
           </a:solidFill>
@@ -3341,13 +3362,13 @@
           <a:cs typeface="+mn-cs"/>
         </a:defRPr>
       </a:lvl2pPr>
-      <a:lvl3pPr marL="5486400" indent="-1097280" algn="l" defTabSz="2194560" rtl="0" eaLnBrk="1" latinLnBrk="0" hangingPunct="1">
+      <a:lvl3pPr marL="3657783" indent="-731557" algn="l" defTabSz="1463113" rtl="0" eaLnBrk="1" latinLnBrk="0" hangingPunct="1">
         <a:spcBef>
           <a:spcPct val="20000"/>
         </a:spcBef>
         <a:buFont typeface="Arial"/>
         <a:buChar char="•"/>
-        <a:defRPr sz="11500" kern="1200">
+        <a:defRPr sz="7667" kern="1200">
           <a:solidFill>
             <a:schemeClr val="tx1"/>
           </a:solidFill>
@@ -3356,13 +3377,13 @@
           <a:cs typeface="+mn-cs"/>
         </a:defRPr>
       </a:lvl3pPr>
-      <a:lvl4pPr marL="7680960" indent="-1097280" algn="l" defTabSz="2194560" rtl="0" eaLnBrk="1" latinLnBrk="0" hangingPunct="1">
+      <a:lvl4pPr marL="5120896" indent="-731557" algn="l" defTabSz="1463113" rtl="0" eaLnBrk="1" latinLnBrk="0" hangingPunct="1">
         <a:spcBef>
           <a:spcPct val="20000"/>
         </a:spcBef>
         <a:buFont typeface="Arial"/>
         <a:buChar char="–"/>
-        <a:defRPr sz="9600" kern="1200">
+        <a:defRPr sz="6400" kern="1200">
           <a:solidFill>
             <a:schemeClr val="tx1"/>
           </a:solidFill>
@@ -3371,13 +3392,13 @@
           <a:cs typeface="+mn-cs"/>
         </a:defRPr>
       </a:lvl4pPr>
-      <a:lvl5pPr marL="9875520" indent="-1097280" algn="l" defTabSz="2194560" rtl="0" eaLnBrk="1" latinLnBrk="0" hangingPunct="1">
+      <a:lvl5pPr marL="6584009" indent="-731557" algn="l" defTabSz="1463113" rtl="0" eaLnBrk="1" latinLnBrk="0" hangingPunct="1">
         <a:spcBef>
           <a:spcPct val="20000"/>
         </a:spcBef>
         <a:buFont typeface="Arial"/>
         <a:buChar char="»"/>
-        <a:defRPr sz="9600" kern="1200">
+        <a:defRPr sz="6400" kern="1200">
           <a:solidFill>
             <a:schemeClr val="tx1"/>
           </a:solidFill>
@@ -3386,13 +3407,13 @@
           <a:cs typeface="+mn-cs"/>
         </a:defRPr>
       </a:lvl5pPr>
-      <a:lvl6pPr marL="12070080" indent="-1097280" algn="l" defTabSz="2194560" rtl="0" eaLnBrk="1" latinLnBrk="0" hangingPunct="1">
+      <a:lvl6pPr marL="8047122" indent="-731557" algn="l" defTabSz="1463113" rtl="0" eaLnBrk="1" latinLnBrk="0" hangingPunct="1">
         <a:spcBef>
           <a:spcPct val="20000"/>
         </a:spcBef>
         <a:buFont typeface="Arial"/>
         <a:buChar char="•"/>
-        <a:defRPr sz="9600" kern="1200">
+        <a:defRPr sz="6400" kern="1200">
           <a:solidFill>
             <a:schemeClr val="tx1"/>
           </a:solidFill>
@@ -3401,13 +3422,13 @@
           <a:cs typeface="+mn-cs"/>
         </a:defRPr>
       </a:lvl6pPr>
-      <a:lvl7pPr marL="14264640" indent="-1097280" algn="l" defTabSz="2194560" rtl="0" eaLnBrk="1" latinLnBrk="0" hangingPunct="1">
+      <a:lvl7pPr marL="9510235" indent="-731557" algn="l" defTabSz="1463113" rtl="0" eaLnBrk="1" latinLnBrk="0" hangingPunct="1">
         <a:spcBef>
           <a:spcPct val="20000"/>
         </a:spcBef>
         <a:buFont typeface="Arial"/>
         <a:buChar char="•"/>
-        <a:defRPr sz="9600" kern="1200">
+        <a:defRPr sz="6400" kern="1200">
           <a:solidFill>
             <a:schemeClr val="tx1"/>
           </a:solidFill>
@@ -3416,13 +3437,13 @@
           <a:cs typeface="+mn-cs"/>
         </a:defRPr>
       </a:lvl7pPr>
-      <a:lvl8pPr marL="16459200" indent="-1097280" algn="l" defTabSz="2194560" rtl="0" eaLnBrk="1" latinLnBrk="0" hangingPunct="1">
+      <a:lvl8pPr marL="10973349" indent="-731557" algn="l" defTabSz="1463113" rtl="0" eaLnBrk="1" latinLnBrk="0" hangingPunct="1">
         <a:spcBef>
           <a:spcPct val="20000"/>
         </a:spcBef>
         <a:buFont typeface="Arial"/>
         <a:buChar char="•"/>
-        <a:defRPr sz="9600" kern="1200">
+        <a:defRPr sz="6400" kern="1200">
           <a:solidFill>
             <a:schemeClr val="tx1"/>
           </a:solidFill>
@@ -3431,13 +3452,13 @@
           <a:cs typeface="+mn-cs"/>
         </a:defRPr>
       </a:lvl8pPr>
-      <a:lvl9pPr marL="18653760" indent="-1097280" algn="l" defTabSz="2194560" rtl="0" eaLnBrk="1" latinLnBrk="0" hangingPunct="1">
+      <a:lvl9pPr marL="12436462" indent="-731557" algn="l" defTabSz="1463113" rtl="0" eaLnBrk="1" latinLnBrk="0" hangingPunct="1">
         <a:spcBef>
           <a:spcPct val="20000"/>
         </a:spcBef>
         <a:buFont typeface="Arial"/>
         <a:buChar char="•"/>
-        <a:defRPr sz="9600" kern="1200">
+        <a:defRPr sz="6400" kern="1200">
           <a:solidFill>
             <a:schemeClr val="tx1"/>
           </a:solidFill>
@@ -3451,8 +3472,8 @@
       <a:defPPr>
         <a:defRPr lang="en-US"/>
       </a:defPPr>
-      <a:lvl1pPr marL="0" algn="l" defTabSz="2194560" rtl="0" eaLnBrk="1" latinLnBrk="0" hangingPunct="1">
-        <a:defRPr sz="8600" kern="1200">
+      <a:lvl1pPr marL="0" algn="l" defTabSz="1463113" rtl="0" eaLnBrk="1" latinLnBrk="0" hangingPunct="1">
+        <a:defRPr sz="5734" kern="1200">
           <a:solidFill>
             <a:schemeClr val="tx1"/>
           </a:solidFill>
@@ -3461,8 +3482,8 @@
           <a:cs typeface="+mn-cs"/>
         </a:defRPr>
       </a:lvl1pPr>
-      <a:lvl2pPr marL="2194560" algn="l" defTabSz="2194560" rtl="0" eaLnBrk="1" latinLnBrk="0" hangingPunct="1">
-        <a:defRPr sz="8600" kern="1200">
+      <a:lvl2pPr marL="1463113" algn="l" defTabSz="1463113" rtl="0" eaLnBrk="1" latinLnBrk="0" hangingPunct="1">
+        <a:defRPr sz="5734" kern="1200">
           <a:solidFill>
             <a:schemeClr val="tx1"/>
           </a:solidFill>
@@ -3471,8 +3492,8 @@
           <a:cs typeface="+mn-cs"/>
         </a:defRPr>
       </a:lvl2pPr>
-      <a:lvl3pPr marL="4389120" algn="l" defTabSz="2194560" rtl="0" eaLnBrk="1" latinLnBrk="0" hangingPunct="1">
-        <a:defRPr sz="8600" kern="1200">
+      <a:lvl3pPr marL="2926226" algn="l" defTabSz="1463113" rtl="0" eaLnBrk="1" latinLnBrk="0" hangingPunct="1">
+        <a:defRPr sz="5734" kern="1200">
           <a:solidFill>
             <a:schemeClr val="tx1"/>
           </a:solidFill>
@@ -3481,8 +3502,8 @@
           <a:cs typeface="+mn-cs"/>
         </a:defRPr>
       </a:lvl3pPr>
-      <a:lvl4pPr marL="6583680" algn="l" defTabSz="2194560" rtl="0" eaLnBrk="1" latinLnBrk="0" hangingPunct="1">
-        <a:defRPr sz="8600" kern="1200">
+      <a:lvl4pPr marL="4389339" algn="l" defTabSz="1463113" rtl="0" eaLnBrk="1" latinLnBrk="0" hangingPunct="1">
+        <a:defRPr sz="5734" kern="1200">
           <a:solidFill>
             <a:schemeClr val="tx1"/>
           </a:solidFill>
@@ -3491,8 +3512,8 @@
           <a:cs typeface="+mn-cs"/>
         </a:defRPr>
       </a:lvl4pPr>
-      <a:lvl5pPr marL="8778240" algn="l" defTabSz="2194560" rtl="0" eaLnBrk="1" latinLnBrk="0" hangingPunct="1">
-        <a:defRPr sz="8600" kern="1200">
+      <a:lvl5pPr marL="5852453" algn="l" defTabSz="1463113" rtl="0" eaLnBrk="1" latinLnBrk="0" hangingPunct="1">
+        <a:defRPr sz="5734" kern="1200">
           <a:solidFill>
             <a:schemeClr val="tx1"/>
           </a:solidFill>
@@ -3501,8 +3522,8 @@
           <a:cs typeface="+mn-cs"/>
         </a:defRPr>
       </a:lvl5pPr>
-      <a:lvl6pPr marL="10972800" algn="l" defTabSz="2194560" rtl="0" eaLnBrk="1" latinLnBrk="0" hangingPunct="1">
-        <a:defRPr sz="8600" kern="1200">
+      <a:lvl6pPr marL="7315566" algn="l" defTabSz="1463113" rtl="0" eaLnBrk="1" latinLnBrk="0" hangingPunct="1">
+        <a:defRPr sz="5734" kern="1200">
           <a:solidFill>
             <a:schemeClr val="tx1"/>
           </a:solidFill>
@@ -3511,8 +3532,8 @@
           <a:cs typeface="+mn-cs"/>
         </a:defRPr>
       </a:lvl6pPr>
-      <a:lvl7pPr marL="13167360" algn="l" defTabSz="2194560" rtl="0" eaLnBrk="1" latinLnBrk="0" hangingPunct="1">
-        <a:defRPr sz="8600" kern="1200">
+      <a:lvl7pPr marL="8778679" algn="l" defTabSz="1463113" rtl="0" eaLnBrk="1" latinLnBrk="0" hangingPunct="1">
+        <a:defRPr sz="5734" kern="1200">
           <a:solidFill>
             <a:schemeClr val="tx1"/>
           </a:solidFill>
@@ -3521,8 +3542,8 @@
           <a:cs typeface="+mn-cs"/>
         </a:defRPr>
       </a:lvl7pPr>
-      <a:lvl8pPr marL="15361920" algn="l" defTabSz="2194560" rtl="0" eaLnBrk="1" latinLnBrk="0" hangingPunct="1">
-        <a:defRPr sz="8600" kern="1200">
+      <a:lvl8pPr marL="10241792" algn="l" defTabSz="1463113" rtl="0" eaLnBrk="1" latinLnBrk="0" hangingPunct="1">
+        <a:defRPr sz="5734" kern="1200">
           <a:solidFill>
             <a:schemeClr val="tx1"/>
           </a:solidFill>
@@ -3531,8 +3552,8 @@
           <a:cs typeface="+mn-cs"/>
         </a:defRPr>
       </a:lvl8pPr>
-      <a:lvl9pPr marL="17556480" algn="l" defTabSz="2194560" rtl="0" eaLnBrk="1" latinLnBrk="0" hangingPunct="1">
-        <a:defRPr sz="8600" kern="1200">
+      <a:lvl9pPr marL="11704905" algn="l" defTabSz="1463113" rtl="0" eaLnBrk="1" latinLnBrk="0" hangingPunct="1">
+        <a:defRPr sz="5734" kern="1200">
           <a:solidFill>
             <a:schemeClr val="tx1"/>
           </a:solidFill>
@@ -3571,8 +3592,8 @@
         </p:nvSpPr>
         <p:spPr>
           <a:xfrm>
-            <a:off x="0" y="-211824"/>
-            <a:ext cx="43891200" cy="5715276"/>
+            <a:off x="0" y="0"/>
+            <a:ext cx="32918400" cy="3826623"/>
           </a:xfrm>
           <a:prstGeom prst="rect">
             <a:avLst/>
@@ -3600,7 +3621,7 @@
           <a:lstStyle/>
           <a:p>
             <a:pPr algn="ctr"/>
-            <a:endParaRPr lang="en-US"/>
+            <a:endParaRPr lang="en-US" sz="4095"/>
           </a:p>
         </p:txBody>
       </p:sp>
@@ -3612,8 +3633,8 @@
         </p:nvSpPr>
         <p:spPr>
           <a:xfrm>
-            <a:off x="7764717" y="490532"/>
-            <a:ext cx="27774709" cy="1220847"/>
+            <a:off x="7005278" y="484677"/>
+            <a:ext cx="18516473" cy="832728"/>
           </a:xfrm>
           <a:prstGeom prst="rect">
             <a:avLst/>
@@ -3632,22 +3653,14 @@
               </a:lnSpc>
             </a:pPr>
             <a:r>
-              <a:rPr lang="en-US" sz="8800" dirty="0" smtClean="0">
+              <a:rPr lang="en-US" sz="5867" dirty="0" smtClean="0">
                 <a:solidFill>
                   <a:schemeClr val="bg1"/>
                 </a:solidFill>
               </a:rPr>
-              <a:t>CSCI 6907: Advanced Network Systems </a:t>
-            </a:r>
-            <a:r>
-              <a:rPr lang="en-US" sz="8800" dirty="0" smtClean="0">
-                <a:solidFill>
-                  <a:schemeClr val="bg1"/>
-                </a:solidFill>
-              </a:rPr>
-              <a:t>Programming</a:t>
-            </a:r>
-            <a:endParaRPr lang="en-US" sz="8800" dirty="0" smtClean="0">
+              <a:t>YOUR PROJECT TITLE</a:t>
+            </a:r>
+            <a:endParaRPr lang="en-US" sz="5867" dirty="0">
               <a:solidFill>
                 <a:schemeClr val="bg1"/>
               </a:solidFill>
@@ -3663,8 +3676,8 @@
         </p:nvSpPr>
         <p:spPr>
           <a:xfrm>
-            <a:off x="34870816" y="2238703"/>
-            <a:ext cx="184731" cy="1415772"/>
+            <a:off x="25076011" y="1650124"/>
+            <a:ext cx="184731" cy="722505"/>
           </a:xfrm>
           <a:prstGeom prst="rect">
             <a:avLst/>
@@ -3677,7 +3690,7 @@
           </a:bodyPr>
           <a:lstStyle/>
           <a:p>
-            <a:endParaRPr lang="zh-CN" altLang="en-US" dirty="0"/>
+            <a:endParaRPr lang="zh-CN" altLang="en-US" sz="4095" dirty="0"/>
           </a:p>
         </p:txBody>
       </p:sp>
@@ -3691,8 +3704,8 @@
         </p:nvSpPr>
         <p:spPr>
           <a:xfrm>
-            <a:off x="7764717" y="3503973"/>
-            <a:ext cx="27774709" cy="1916078"/>
+            <a:off x="7005278" y="2493637"/>
+            <a:ext cx="18516473" cy="1277385"/>
           </a:xfrm>
           <a:prstGeom prst="rect">
             <a:avLst/>
@@ -3842,14 +3855,14 @@
               <a:buNone/>
             </a:pPr>
             <a:r>
-              <a:rPr lang="en-US" sz="6600" dirty="0" smtClean="0">
+              <a:rPr lang="en-US" sz="4400" dirty="0">
                 <a:solidFill>
                   <a:srgbClr val="FFFFFF"/>
                 </a:solidFill>
               </a:rPr>
               <a:t>Your Name</a:t>
             </a:r>
-            <a:endParaRPr lang="en-US" sz="6600" dirty="0">
+            <a:endParaRPr lang="en-US" sz="4400" dirty="0">
               <a:solidFill>
                 <a:srgbClr val="FFFFFF"/>
               </a:solidFill>
@@ -3879,8 +3892,8 @@
         </p:blipFill>
         <p:spPr>
           <a:xfrm>
-            <a:off x="927746" y="28603"/>
-            <a:ext cx="6836971" cy="5207493"/>
+            <a:off x="884738" y="140352"/>
+            <a:ext cx="4557981" cy="3471662"/>
           </a:xfrm>
           <a:prstGeom prst="rect">
             <a:avLst/>
@@ -3895,8 +3908,8 @@
         </p:nvSpPr>
         <p:spPr>
           <a:xfrm>
-            <a:off x="414917" y="6096158"/>
-            <a:ext cx="15101268" cy="1474558"/>
+            <a:off x="884737" y="4221760"/>
+            <a:ext cx="11033993" cy="983039"/>
           </a:xfrm>
           <a:prstGeom prst="rect">
             <a:avLst/>
@@ -3925,7 +3938,7 @@
           <a:p>
             <a:pPr algn="ctr"/>
             <a:r>
-              <a:rPr lang="en-US" sz="7200" b="1" dirty="0" smtClean="0">
+              <a:rPr lang="en-US" sz="4800" b="1" dirty="0" smtClean="0">
                 <a:solidFill>
                   <a:srgbClr val="FFEEBB"/>
                 </a:solidFill>
@@ -3938,9 +3951,9 @@
                 </a:effectLst>
                 <a:latin typeface="+mj-lt"/>
               </a:rPr>
-              <a:t>CSCI 6907.11 Overview</a:t>
-            </a:r>
-            <a:endParaRPr lang="en-US" sz="8000" b="1" dirty="0">
+              <a:t>Background</a:t>
+            </a:r>
+            <a:endParaRPr lang="en-US" sz="5334" b="1" dirty="0">
               <a:solidFill>
                 <a:srgbClr val="FFEEBB"/>
               </a:solidFill>
@@ -3949,67 +3962,6 @@
           </a:p>
         </p:txBody>
       </p:sp>
-      <p:pic>
-        <p:nvPicPr>
-          <p:cNvPr id="186" name="Picture Placeholder 1137" descr="seas_logo.png"/>
-          <p:cNvPicPr>
-            <a:picLocks noChangeAspect="1"/>
-          </p:cNvPicPr>
-          <p:nvPr/>
-        </p:nvPicPr>
-        <p:blipFill>
-          <a:blip r:embed="rId4">
-            <a:extLst>
-              <a:ext uri="{28A0092B-C50C-407E-A947-70E740481C1C}">
-                <a14:useLocalDpi xmlns:a14="http://schemas.microsoft.com/office/drawing/2010/main" val="0"/>
-              </a:ext>
-            </a:extLst>
-          </a:blip>
-          <a:srcRect t="10884" b="10884"/>
-          <a:stretch>
-            <a:fillRect/>
-          </a:stretch>
-        </p:blipFill>
-        <p:spPr>
-          <a:xfrm>
-            <a:off x="35539426" y="490532"/>
-            <a:ext cx="7928435" cy="4511006"/>
-          </a:xfrm>
-          <a:prstGeom prst="snip2DiagRect">
-            <a:avLst/>
-          </a:prstGeom>
-          <a:solidFill>
-            <a:srgbClr val="FFFFFF">
-              <a:shade val="85000"/>
-            </a:srgbClr>
-          </a:solidFill>
-          <a:ln w="88900" cap="sq">
-            <a:solidFill>
-              <a:srgbClr val="FFFFFF"/>
-            </a:solidFill>
-            <a:miter lim="800000"/>
-          </a:ln>
-          <a:effectLst>
-            <a:outerShdw blurRad="88900" algn="tl" rotWithShape="0">
-              <a:srgbClr val="000000">
-                <a:alpha val="45000"/>
-              </a:srgbClr>
-            </a:outerShdw>
-          </a:effectLst>
-          <a:scene3d>
-            <a:camera prst="orthographicFront"/>
-            <a:lightRig rig="twoPt" dir="t">
-              <a:rot lat="0" lon="0" rev="7200000"/>
-            </a:lightRig>
-          </a:scene3d>
-          <a:sp3d>
-            <a:bevelT w="25400" h="19050"/>
-            <a:contourClr>
-              <a:srgbClr val="FFFFFF"/>
-            </a:contourClr>
-          </a:sp3d>
-        </p:spPr>
-      </p:pic>
       <p:sp>
         <p:nvSpPr>
           <p:cNvPr id="188" name="Rectangle 187"/>
@@ -4018,8 +3970,8 @@
         </p:nvSpPr>
         <p:spPr>
           <a:xfrm>
-            <a:off x="414917" y="8124475"/>
-            <a:ext cx="15101268" cy="4755652"/>
+            <a:off x="884738" y="5573972"/>
+            <a:ext cx="11033992" cy="3170435"/>
           </a:xfrm>
           <a:prstGeom prst="rect">
             <a:avLst/>
@@ -4047,46 +3999,23 @@
           </a:fontRef>
         </p:style>
         <p:txBody>
-          <a:bodyPr lIns="457200" tIns="457200" rIns="457200" bIns="457200" rtlCol="0" anchor="t"/>
+          <a:bodyPr lIns="304800" tIns="304800" rIns="304800" bIns="304800" rtlCol="0" anchor="t"/>
           <a:lstStyle/>
           <a:p>
             <a:pPr algn="just">
               <a:spcAft>
-                <a:spcPts val="1800"/>
+                <a:spcPts val="1200"/>
               </a:spcAft>
             </a:pPr>
             <a:r>
-              <a:rPr lang="en-US" sz="4000" dirty="0">
+              <a:rPr lang="is-IS" sz="2667" dirty="0" smtClean="0">
                 <a:solidFill>
                   <a:prstClr val="black"/>
                 </a:solidFill>
               </a:rPr>
-              <a:t>This class is an advanced topics seminar for MS, PhD, and upper level undergraduates. The class gives students hands-on practice with two emerging network technologies: Software Defined Networking (SDN) and Network Function Virtualization (NFV). </a:t>
-            </a:r>
-          </a:p>
-          <a:p>
-            <a:pPr algn="just">
-              <a:spcAft>
-                <a:spcPts val="1800"/>
-              </a:spcAft>
-            </a:pPr>
-            <a:r>
-              <a:rPr lang="en-US" sz="4000" dirty="0">
-                <a:solidFill>
-                  <a:prstClr val="black"/>
-                </a:solidFill>
-              </a:rPr>
-              <a:t>This poster presents some of the projects we have developed on top of the GENI platform</a:t>
-            </a:r>
-            <a:r>
-              <a:rPr lang="en-US" sz="4000" dirty="0" smtClean="0">
-                <a:solidFill>
-                  <a:prstClr val="black"/>
-                </a:solidFill>
-              </a:rPr>
-              <a:t>.</a:t>
-            </a:r>
-            <a:endParaRPr lang="en-US" sz="4000" dirty="0">
+              <a:t>…..</a:t>
+            </a:r>
+            <a:endParaRPr lang="en-US" sz="2667" dirty="0">
               <a:solidFill>
                 <a:prstClr val="black"/>
               </a:solidFill>
@@ -4102,8 +4031,8 @@
         </p:nvSpPr>
         <p:spPr>
           <a:xfrm>
-            <a:off x="16675757" y="6096158"/>
-            <a:ext cx="26331830" cy="1474558"/>
+            <a:off x="12945972" y="4221760"/>
+            <a:ext cx="18932038" cy="983039"/>
           </a:xfrm>
           <a:prstGeom prst="rect">
             <a:avLst/>
@@ -4132,7 +4061,7 @@
           <a:p>
             <a:pPr algn="ctr"/>
             <a:r>
-              <a:rPr lang="en-US" sz="7200" b="1" dirty="0" err="1">
+              <a:rPr lang="en-US" sz="4800" b="1" dirty="0" smtClean="0">
                 <a:solidFill>
                   <a:srgbClr val="FFEEBB"/>
                 </a:solidFill>
@@ -4145,25 +4074,9 @@
                 </a:effectLst>
                 <a:latin typeface="+mj-lt"/>
               </a:rPr>
-              <a:t>NetAlytics</a:t>
-            </a:r>
-            <a:r>
-              <a:rPr lang="en-US" sz="7200" b="1" dirty="0">
-                <a:solidFill>
-                  <a:srgbClr val="FFEEBB"/>
-                </a:solidFill>
-                <a:effectLst>
-                  <a:outerShdw blurRad="38100" dist="38100" dir="2700000" algn="tl">
-                    <a:srgbClr val="000000">
-                      <a:alpha val="43137"/>
-                    </a:srgbClr>
-                  </a:outerShdw>
-                </a:effectLst>
-                <a:latin typeface="+mj-lt"/>
-              </a:rPr>
-              <a:t>: Flexible and Dynamic Network Analysis Framework</a:t>
-            </a:r>
-            <a:endParaRPr lang="en-US" sz="8000" b="1" dirty="0">
+              <a:t>More interesting stuff</a:t>
+            </a:r>
+            <a:endParaRPr lang="en-US" sz="5334" b="1" dirty="0">
               <a:solidFill>
                 <a:srgbClr val="FFEEBB"/>
               </a:solidFill>
@@ -4180,8 +4093,8 @@
         </p:nvSpPr>
         <p:spPr>
           <a:xfrm>
-            <a:off x="16675757" y="8124474"/>
-            <a:ext cx="13496282" cy="10439841"/>
+            <a:off x="12945972" y="5573971"/>
+            <a:ext cx="8997521" cy="6959894"/>
           </a:xfrm>
           <a:prstGeom prst="rect">
             <a:avLst/>
@@ -4209,23 +4122,23 @@
           </a:fontRef>
         </p:style>
         <p:txBody>
-          <a:bodyPr lIns="457200" tIns="457200" rIns="457200" bIns="457200" rtlCol="0" anchor="t"/>
+          <a:bodyPr lIns="304800" tIns="304800" rIns="304800" bIns="304800" rtlCol="0" anchor="t"/>
           <a:lstStyle/>
           <a:p>
             <a:pPr algn="just">
               <a:spcAft>
-                <a:spcPts val="1800"/>
+                <a:spcPts val="1200"/>
               </a:spcAft>
             </a:pPr>
             <a:r>
-              <a:rPr lang="en-US" sz="4000" dirty="0" smtClean="0">
+              <a:rPr lang="en-US" sz="2667" dirty="0">
                 <a:solidFill>
                   <a:prstClr val="black"/>
                 </a:solidFill>
               </a:rPr>
               <a:t>Project description goes here.</a:t>
             </a:r>
-            <a:endParaRPr lang="en-US" sz="4000" dirty="0">
+            <a:endParaRPr lang="en-US" sz="2667" dirty="0">
               <a:solidFill>
                 <a:prstClr val="black"/>
               </a:solidFill>
@@ -4241,8 +4154,8 @@
         </p:nvSpPr>
         <p:spPr>
           <a:xfrm>
-            <a:off x="414917" y="15803219"/>
-            <a:ext cx="15101268" cy="8488654"/>
+            <a:off x="884738" y="10693134"/>
+            <a:ext cx="11033992" cy="5659103"/>
           </a:xfrm>
           <a:prstGeom prst="rect">
             <a:avLst/>
@@ -4270,31 +4183,36 @@
           </a:fontRef>
         </p:style>
         <p:txBody>
-          <a:bodyPr lIns="457200" tIns="457200" rIns="457200" bIns="457200" rtlCol="0" anchor="t"/>
+          <a:bodyPr lIns="304800" tIns="304800" rIns="304800" bIns="304800" rtlCol="0" anchor="t"/>
           <a:lstStyle/>
           <a:p>
             <a:pPr algn="just">
               <a:spcAft>
-                <a:spcPts val="1800"/>
+                <a:spcPts val="1200"/>
               </a:spcAft>
             </a:pPr>
             <a:r>
-              <a:rPr lang="en-US" sz="4000" dirty="0" smtClean="0">
+              <a:rPr lang="en-US" sz="2667" dirty="0" smtClean="0">
                 <a:solidFill>
                   <a:prstClr val="black"/>
                 </a:solidFill>
               </a:rPr>
-              <a:t>A major problem in today’s networks is the lack of robots and unicorns. If we had more unicorns, networks would be faster and more magical. In this project we show how SDNs allow the network to dynamically adjust the number of unicorns deployed in the network. </a:t>
-            </a:r>
+              <a:t>Avoid really long text. A few sentences are OK.</a:t>
+            </a:r>
+            <a:endParaRPr lang="en-US" sz="2667" dirty="0">
+              <a:solidFill>
+                <a:prstClr val="black"/>
+              </a:solidFill>
+            </a:endParaRPr>
           </a:p>
           <a:p>
             <a:pPr algn="just">
               <a:spcAft>
-                <a:spcPts val="1800"/>
+                <a:spcPts val="1200"/>
               </a:spcAft>
             </a:pPr>
             <a:r>
-              <a:rPr lang="en-US" sz="4000" dirty="0" smtClean="0">
+              <a:rPr lang="en-US" sz="2667" dirty="0">
                 <a:solidFill>
                   <a:prstClr val="black"/>
                 </a:solidFill>
@@ -4303,15 +4221,15 @@
             </a:r>
           </a:p>
           <a:p>
-            <a:pPr marL="571500" indent="-571500" algn="just">
+            <a:pPr marL="381019" indent="-381019" algn="just">
               <a:spcAft>
-                <a:spcPts val="1800"/>
+                <a:spcPts val="1200"/>
               </a:spcAft>
               <a:buFont typeface="Arial"/>
               <a:buChar char="•"/>
             </a:pPr>
             <a:r>
-              <a:rPr lang="en-US" sz="4000" dirty="0" smtClean="0">
+              <a:rPr lang="en-US" sz="2667" dirty="0">
                 <a:solidFill>
                   <a:prstClr val="black"/>
                 </a:solidFill>
@@ -4320,15 +4238,15 @@
             </a:r>
           </a:p>
           <a:p>
-            <a:pPr marL="571500" indent="-571500" algn="just">
+            <a:pPr marL="381019" indent="-381019" algn="just">
               <a:spcAft>
-                <a:spcPts val="1800"/>
+                <a:spcPts val="1200"/>
               </a:spcAft>
               <a:buFont typeface="Arial"/>
               <a:buChar char="•"/>
             </a:pPr>
             <a:r>
-              <a:rPr lang="en-US" sz="4000" dirty="0" smtClean="0">
+              <a:rPr lang="en-US" sz="2667" dirty="0">
                 <a:solidFill>
                   <a:prstClr val="black"/>
                 </a:solidFill>
@@ -4337,15 +4255,15 @@
             </a:r>
           </a:p>
           <a:p>
-            <a:pPr marL="571500" indent="-571500" algn="just">
+            <a:pPr marL="381019" indent="-381019" algn="just">
               <a:spcAft>
-                <a:spcPts val="1800"/>
+                <a:spcPts val="1200"/>
               </a:spcAft>
               <a:buFont typeface="Arial"/>
               <a:buChar char="•"/>
             </a:pPr>
             <a:r>
-              <a:rPr lang="en-US" sz="4000" dirty="0" smtClean="0">
+              <a:rPr lang="en-US" sz="2667" dirty="0">
                 <a:solidFill>
                   <a:prstClr val="black"/>
                 </a:solidFill>
@@ -4354,15 +4272,15 @@
             </a:r>
           </a:p>
           <a:p>
-            <a:pPr marL="571500" indent="-571500" algn="just">
+            <a:pPr marL="381019" indent="-381019" algn="just">
               <a:spcAft>
-                <a:spcPts val="1800"/>
+                <a:spcPts val="1200"/>
               </a:spcAft>
               <a:buFont typeface="Arial"/>
               <a:buChar char="•"/>
             </a:pPr>
             <a:r>
-              <a:rPr lang="en-US" sz="4000" dirty="0" smtClean="0">
+              <a:rPr lang="en-US" sz="2667" dirty="0">
                 <a:solidFill>
                   <a:prstClr val="black"/>
                 </a:solidFill>
@@ -4371,28 +4289,28 @@
             </a:r>
           </a:p>
           <a:p>
-            <a:pPr marL="571500" indent="-571500" algn="just">
+            <a:pPr marL="381019" indent="-381019" algn="just">
               <a:spcAft>
-                <a:spcPts val="1800"/>
+                <a:spcPts val="1200"/>
               </a:spcAft>
               <a:buFont typeface="Arial"/>
               <a:buChar char="•"/>
             </a:pPr>
-            <a:endParaRPr lang="en-US" sz="4000" dirty="0" smtClean="0">
+            <a:endParaRPr lang="en-US" sz="2667" dirty="0">
               <a:solidFill>
                 <a:prstClr val="black"/>
               </a:solidFill>
             </a:endParaRPr>
           </a:p>
           <a:p>
-            <a:pPr marL="571500" indent="-571500" algn="just">
+            <a:pPr marL="381019" indent="-381019" algn="just">
               <a:spcAft>
-                <a:spcPts val="1800"/>
+                <a:spcPts val="1200"/>
               </a:spcAft>
               <a:buFont typeface="Arial"/>
               <a:buChar char="•"/>
             </a:pPr>
-            <a:endParaRPr lang="en-US" sz="4000" dirty="0">
+            <a:endParaRPr lang="en-US" sz="2667" dirty="0">
               <a:solidFill>
                 <a:prstClr val="black"/>
               </a:solidFill>
@@ -4408,8 +4326,8 @@
         </p:nvSpPr>
         <p:spPr>
           <a:xfrm>
-            <a:off x="16675757" y="19162649"/>
-            <a:ext cx="26331830" cy="1474558"/>
+            <a:off x="12945972" y="12932754"/>
+            <a:ext cx="18932038" cy="983039"/>
           </a:xfrm>
           <a:prstGeom prst="rect">
             <a:avLst/>
@@ -4438,7 +4356,7 @@
           <a:p>
             <a:pPr algn="ctr"/>
             <a:r>
-              <a:rPr lang="en-US" sz="7200" b="1" dirty="0">
+              <a:rPr lang="en-US" sz="4800" b="1" dirty="0">
                 <a:solidFill>
                   <a:srgbClr val="FFEEBB"/>
                 </a:solidFill>
@@ -4453,7 +4371,7 @@
               </a:rPr>
               <a:t>Load Balancing and Dynamic Topology Modification</a:t>
             </a:r>
-            <a:endParaRPr lang="en-US" sz="8000" b="1" dirty="0">
+            <a:endParaRPr lang="en-US" sz="5334" b="1" dirty="0">
               <a:solidFill>
                 <a:srgbClr val="FFEEBB"/>
               </a:solidFill>
@@ -4470,8 +4388,8 @@
         </p:nvSpPr>
         <p:spPr>
           <a:xfrm>
-            <a:off x="414917" y="13362961"/>
-            <a:ext cx="15101268" cy="1474558"/>
+            <a:off x="884738" y="9066296"/>
+            <a:ext cx="11033992" cy="983039"/>
           </a:xfrm>
           <a:prstGeom prst="rect">
             <a:avLst/>
@@ -4500,7 +4418,7 @@
           <a:p>
             <a:pPr algn="ctr"/>
             <a:r>
-              <a:rPr lang="en-US" sz="7200" b="1" dirty="0" smtClean="0">
+              <a:rPr lang="en-US" sz="4800" b="1" dirty="0" smtClean="0">
                 <a:solidFill>
                   <a:srgbClr val="FFEEBB"/>
                 </a:solidFill>
@@ -4513,9 +4431,9 @@
                 </a:effectLst>
                 <a:latin typeface="+mj-lt"/>
               </a:rPr>
-              <a:t>Project Name</a:t>
-            </a:r>
-            <a:endParaRPr lang="en-US" sz="8000" b="1" dirty="0">
+              <a:t>Some Heading</a:t>
+            </a:r>
+            <a:endParaRPr lang="en-US" sz="5334" b="1" dirty="0">
               <a:solidFill>
                 <a:srgbClr val="FFEEBB"/>
               </a:solidFill>
@@ -4533,7 +4451,7 @@
           <p:nvPr/>
         </p:nvPicPr>
         <p:blipFill>
-          <a:blip r:embed="rId5">
+          <a:blip r:embed="rId4">
             <a:extLst>
               <a:ext uri="{28A0092B-C50C-407E-A947-70E740481C1C}">
                 <a14:useLocalDpi xmlns:a14="http://schemas.microsoft.com/office/drawing/2010/main" val="0"/>
@@ -4547,8 +4465,8 @@
         </p:blipFill>
         <p:spPr bwMode="auto">
           <a:xfrm>
-            <a:off x="1191158" y="29613015"/>
-            <a:ext cx="1885884" cy="2179451"/>
+            <a:off x="1402232" y="19899666"/>
+            <a:ext cx="1257256" cy="1452967"/>
           </a:xfrm>
           <a:prstGeom prst="rect">
             <a:avLst/>
@@ -4559,14 +4477,14 @@
           </a:ln>
           <a:extLst>
             <a:ext uri="{909E8E84-426E-40dd-AFC4-6F175D3DCCD1}">
-              <a14:hiddenFill xmlns:a14="http://schemas.microsoft.com/office/drawing/2010/main">
+              <a14:hiddenFill xmlns:a14="http://schemas.microsoft.com/office/drawing/2010/main" xmlns="">
                 <a:solidFill>
                   <a:srgbClr val="FFFFFF"/>
                 </a:solidFill>
               </a14:hiddenFill>
             </a:ext>
             <a:ext uri="{91240B29-F687-4f45-9708-019B960494DF}">
-              <a14:hiddenLine xmlns:a14="http://schemas.microsoft.com/office/drawing/2010/main" w="9525">
+              <a14:hiddenLine xmlns:a14="http://schemas.microsoft.com/office/drawing/2010/main" xmlns="" w="9525">
                 <a:solidFill>
                   <a:srgbClr val="000000"/>
                 </a:solidFill>
@@ -4587,7 +4505,7 @@
           <p:nvPr/>
         </p:nvPicPr>
         <p:blipFill>
-          <a:blip r:embed="rId6"/>
+          <a:blip r:embed="rId5"/>
           <a:srcRect/>
           <a:stretch>
             <a:fillRect/>
@@ -4595,8 +4513,8 @@
         </p:blipFill>
         <p:spPr bwMode="auto">
           <a:xfrm>
-            <a:off x="927746" y="26801770"/>
-            <a:ext cx="2149296" cy="2355960"/>
+            <a:off x="1226624" y="18025502"/>
+            <a:ext cx="1432864" cy="1570640"/>
           </a:xfrm>
           <a:prstGeom prst="rect">
             <a:avLst/>
@@ -4613,7 +4531,7 @@
           <p:nvPr/>
         </p:nvPicPr>
         <p:blipFill>
-          <a:blip r:embed="rId7">
+          <a:blip r:embed="rId6">
             <a:extLst>
               <a:ext uri="{28A0092B-C50C-407E-A947-70E740481C1C}">
                 <a14:useLocalDpi xmlns:a14="http://schemas.microsoft.com/office/drawing/2010/main" val="0"/>
@@ -4627,8 +4545,8 @@
         </p:blipFill>
         <p:spPr bwMode="auto">
           <a:xfrm>
-            <a:off x="4708486" y="27675682"/>
-            <a:ext cx="2464670" cy="2279250"/>
+            <a:off x="3747118" y="18608110"/>
+            <a:ext cx="1643113" cy="1519500"/>
           </a:xfrm>
           <a:prstGeom prst="rect">
             <a:avLst/>
@@ -4639,14 +4557,14 @@
           </a:ln>
           <a:extLst>
             <a:ext uri="{909E8E84-426E-40dd-AFC4-6F175D3DCCD1}">
-              <a14:hiddenFill xmlns:a14="http://schemas.microsoft.com/office/drawing/2010/main">
+              <a14:hiddenFill xmlns:a14="http://schemas.microsoft.com/office/drawing/2010/main" xmlns="">
                 <a:solidFill>
                   <a:srgbClr val="FFFFFF"/>
                 </a:solidFill>
               </a14:hiddenFill>
             </a:ext>
             <a:ext uri="{91240B29-F687-4f45-9708-019B960494DF}">
-              <a14:hiddenLine xmlns:a14="http://schemas.microsoft.com/office/drawing/2010/main" w="9525">
+              <a14:hiddenLine xmlns:a14="http://schemas.microsoft.com/office/drawing/2010/main" xmlns="" w="9525">
                 <a:solidFill>
                   <a:srgbClr val="000000"/>
                 </a:solidFill>
@@ -4667,7 +4585,7 @@
           <p:nvPr/>
         </p:nvPicPr>
         <p:blipFill>
-          <a:blip r:embed="rId8">
+          <a:blip r:embed="rId7">
             <a:extLst>
               <a:ext uri="{28A0092B-C50C-407E-A947-70E740481C1C}">
                 <a14:useLocalDpi xmlns:a14="http://schemas.microsoft.com/office/drawing/2010/main" val="0"/>
@@ -4680,8 +4598,8 @@
         </p:blipFill>
         <p:spPr>
           <a:xfrm>
-            <a:off x="9437189" y="29613015"/>
-            <a:ext cx="1469418" cy="1525933"/>
+            <a:off x="6899586" y="19899665"/>
+            <a:ext cx="979612" cy="1017289"/>
           </a:xfrm>
           <a:prstGeom prst="rect">
             <a:avLst/>
@@ -4696,8 +4614,8 @@
         </p:nvSpPr>
         <p:spPr>
           <a:xfrm>
-            <a:off x="8966221" y="25752001"/>
-            <a:ext cx="2385756" cy="1883871"/>
+            <a:off x="6585607" y="17325656"/>
+            <a:ext cx="1733359" cy="1255914"/>
           </a:xfrm>
           <a:prstGeom prst="hexagon">
             <a:avLst/>
@@ -4725,10 +4643,10 @@
           <a:p>
             <a:pPr algn="ctr"/>
             <a:r>
-              <a:rPr lang="en-US" sz="6600" dirty="0" smtClean="0"/>
+              <a:rPr lang="en-US" sz="4400" dirty="0"/>
               <a:t>POX</a:t>
             </a:r>
-            <a:endParaRPr lang="en-US" sz="6600" dirty="0"/>
+            <a:endParaRPr lang="en-US" sz="4400" dirty="0"/>
           </a:p>
         </p:txBody>
       </p:sp>
@@ -4740,8 +4658,8 @@
         </p:nvSpPr>
         <p:spPr>
           <a:xfrm>
-            <a:off x="417137" y="25198923"/>
-            <a:ext cx="15101268" cy="7222608"/>
+            <a:off x="886218" y="16956937"/>
+            <a:ext cx="11032512" cy="4815072"/>
           </a:xfrm>
           <a:prstGeom prst="rect">
             <a:avLst/>
@@ -4769,23 +4687,23 @@
           </a:fontRef>
         </p:style>
         <p:txBody>
-          <a:bodyPr lIns="457200" tIns="457200" rIns="457200" bIns="457200" rtlCol="0" anchor="t"/>
+          <a:bodyPr lIns="304800" tIns="304800" rIns="304800" bIns="304800" rtlCol="0" anchor="t"/>
           <a:lstStyle/>
           <a:p>
             <a:pPr algn="just">
               <a:spcAft>
-                <a:spcPts val="1800"/>
+                <a:spcPts val="1200"/>
               </a:spcAft>
             </a:pPr>
             <a:r>
-              <a:rPr lang="en-US" sz="4400" b="1" dirty="0" smtClean="0">
+              <a:rPr lang="en-US" sz="2933" b="1" dirty="0" smtClean="0">
                 <a:solidFill>
                   <a:prstClr val="black"/>
                 </a:solidFill>
               </a:rPr>
-              <a:t>Sample Deployment:</a:t>
-            </a:r>
-            <a:endParaRPr lang="en-US" sz="4400" b="1" dirty="0">
+              <a:t>Use Visuals:</a:t>
+            </a:r>
+            <a:endParaRPr lang="en-US" sz="2933" b="1" dirty="0">
               <a:solidFill>
                 <a:prstClr val="black"/>
               </a:solidFill>
@@ -4796,6 +4714,36 @@
       <p:pic>
         <p:nvPicPr>
           <p:cNvPr id="215" name="Picture 214" descr="VMW_ICON_cluster1_2D(F).png"/>
+          <p:cNvPicPr>
+            <a:picLocks noChangeAspect="1"/>
+          </p:cNvPicPr>
+          <p:nvPr/>
+        </p:nvPicPr>
+        <p:blipFill>
+          <a:blip r:embed="rId7">
+            <a:extLst>
+              <a:ext uri="{28A0092B-C50C-407E-A947-70E740481C1C}">
+                <a14:useLocalDpi xmlns:a14="http://schemas.microsoft.com/office/drawing/2010/main" val="0"/>
+              </a:ext>
+            </a:extLst>
+          </a:blip>
+          <a:stretch>
+            <a:fillRect/>
+          </a:stretch>
+        </p:blipFill>
+        <p:spPr>
+          <a:xfrm>
+            <a:off x="5919974" y="18859215"/>
+            <a:ext cx="979612" cy="1017289"/>
+          </a:xfrm>
+          <a:prstGeom prst="rect">
+            <a:avLst/>
+          </a:prstGeom>
+        </p:spPr>
+      </p:pic>
+      <p:pic>
+        <p:nvPicPr>
+          <p:cNvPr id="216" name="Picture 17" descr="ICON_VM_basic_flat_R2_Q408.png"/>
           <p:cNvPicPr>
             <a:picLocks noChangeAspect="1"/>
           </p:cNvPicPr>
@@ -4809,36 +4757,6 @@
               </a:ext>
             </a:extLst>
           </a:blip>
-          <a:stretch>
-            <a:fillRect/>
-          </a:stretch>
-        </p:blipFill>
-        <p:spPr>
-          <a:xfrm>
-            <a:off x="7967771" y="28052340"/>
-            <a:ext cx="1469418" cy="1525933"/>
-          </a:xfrm>
-          <a:prstGeom prst="rect">
-            <a:avLst/>
-          </a:prstGeom>
-        </p:spPr>
-      </p:pic>
-      <p:pic>
-        <p:nvPicPr>
-          <p:cNvPr id="216" name="Picture 17" descr="ICON_VM_basic_flat_R2_Q408.png"/>
-          <p:cNvPicPr>
-            <a:picLocks noChangeAspect="1"/>
-          </p:cNvPicPr>
-          <p:nvPr/>
-        </p:nvPicPr>
-        <p:blipFill>
-          <a:blip r:embed="rId9">
-            <a:extLst>
-              <a:ext uri="{28A0092B-C50C-407E-A947-70E740481C1C}">
-                <a14:useLocalDpi xmlns:a14="http://schemas.microsoft.com/office/drawing/2010/main" val="0"/>
-              </a:ext>
-            </a:extLst>
-          </a:blip>
           <a:srcRect/>
           <a:stretch>
             <a:fillRect/>
@@ -4846,8 +4764,8 @@
         </p:blipFill>
         <p:spPr bwMode="auto">
           <a:xfrm>
-            <a:off x="13107123" y="27107051"/>
-            <a:ext cx="1412584" cy="1412584"/>
+            <a:off x="9346209" y="18229022"/>
+            <a:ext cx="941723" cy="941723"/>
           </a:xfrm>
           <a:prstGeom prst="rect">
             <a:avLst/>
@@ -4858,14 +4776,14 @@
           </a:ln>
           <a:extLst>
             <a:ext uri="{909E8E84-426E-40dd-AFC4-6F175D3DCCD1}">
-              <a14:hiddenFill xmlns:a14="http://schemas.microsoft.com/office/drawing/2010/main">
+              <a14:hiddenFill xmlns:a14="http://schemas.microsoft.com/office/drawing/2010/main" xmlns="">
                 <a:solidFill>
                   <a:srgbClr val="FFFFFF"/>
                 </a:solidFill>
               </a14:hiddenFill>
             </a:ext>
             <a:ext uri="{91240B29-F687-4f45-9708-019B960494DF}">
-              <a14:hiddenLine xmlns:a14="http://schemas.microsoft.com/office/drawing/2010/main" w="9525">
+              <a14:hiddenLine xmlns:a14="http://schemas.microsoft.com/office/drawing/2010/main" xmlns="" w="9525">
                 <a:solidFill>
                   <a:srgbClr val="000000"/>
                 </a:solidFill>
@@ -4880,60 +4798,6 @@
       <p:pic>
         <p:nvPicPr>
           <p:cNvPr id="217" name="Picture 17" descr="ICON_VM_basic_flat_R2_Q408.png"/>
-          <p:cNvPicPr>
-            <a:picLocks noChangeAspect="1"/>
-          </p:cNvPicPr>
-          <p:nvPr/>
-        </p:nvPicPr>
-        <p:blipFill>
-          <a:blip r:embed="rId9">
-            <a:extLst>
-              <a:ext uri="{28A0092B-C50C-407E-A947-70E740481C1C}">
-                <a14:useLocalDpi xmlns:a14="http://schemas.microsoft.com/office/drawing/2010/main" val="0"/>
-              </a:ext>
-            </a:extLst>
-          </a:blip>
-          <a:srcRect/>
-          <a:stretch>
-            <a:fillRect/>
-          </a:stretch>
-        </p:blipFill>
-        <p:spPr bwMode="auto">
-          <a:xfrm>
-            <a:off x="13443292" y="30055156"/>
-            <a:ext cx="1412584" cy="1412584"/>
-          </a:xfrm>
-          <a:prstGeom prst="rect">
-            <a:avLst/>
-          </a:prstGeom>
-          <a:noFill/>
-          <a:ln>
-            <a:noFill/>
-          </a:ln>
-          <a:extLst>
-            <a:ext uri="{909E8E84-426E-40dd-AFC4-6F175D3DCCD1}">
-              <a14:hiddenFill xmlns:a14="http://schemas.microsoft.com/office/drawing/2010/main">
-                <a:solidFill>
-                  <a:srgbClr val="FFFFFF"/>
-                </a:solidFill>
-              </a14:hiddenFill>
-            </a:ext>
-            <a:ext uri="{91240B29-F687-4f45-9708-019B960494DF}">
-              <a14:hiddenLine xmlns:a14="http://schemas.microsoft.com/office/drawing/2010/main" w="9525">
-                <a:solidFill>
-                  <a:srgbClr val="000000"/>
-                </a:solidFill>
-                <a:miter lim="800000"/>
-                <a:headEnd/>
-                <a:tailEnd/>
-              </a14:hiddenLine>
-            </a:ext>
-          </a:extLst>
-        </p:spPr>
-      </p:pic>
-      <p:pic>
-        <p:nvPicPr>
-          <p:cNvPr id="218" name="Picture 217" descr="VMW_ICON_cluster1_2D(F).png"/>
           <p:cNvPicPr>
             <a:picLocks noChangeAspect="1"/>
           </p:cNvPicPr>
@@ -4947,14 +4811,68 @@
               </a:ext>
             </a:extLst>
           </a:blip>
+          <a:srcRect/>
+          <a:stretch>
+            <a:fillRect/>
+          </a:stretch>
+        </p:blipFill>
+        <p:spPr bwMode="auto">
+          <a:xfrm>
+            <a:off x="9570322" y="20194426"/>
+            <a:ext cx="941723" cy="941723"/>
+          </a:xfrm>
+          <a:prstGeom prst="rect">
+            <a:avLst/>
+          </a:prstGeom>
+          <a:noFill/>
+          <a:ln>
+            <a:noFill/>
+          </a:ln>
+          <a:extLst>
+            <a:ext uri="{909E8E84-426E-40dd-AFC4-6F175D3DCCD1}">
+              <a14:hiddenFill xmlns:a14="http://schemas.microsoft.com/office/drawing/2010/main" xmlns="">
+                <a:solidFill>
+                  <a:srgbClr val="FFFFFF"/>
+                </a:solidFill>
+              </a14:hiddenFill>
+            </a:ext>
+            <a:ext uri="{91240B29-F687-4f45-9708-019B960494DF}">
+              <a14:hiddenLine xmlns:a14="http://schemas.microsoft.com/office/drawing/2010/main" xmlns="" w="9525">
+                <a:solidFill>
+                  <a:srgbClr val="000000"/>
+                </a:solidFill>
+                <a:miter lim="800000"/>
+                <a:headEnd/>
+                <a:tailEnd/>
+              </a14:hiddenLine>
+            </a:ext>
+          </a:extLst>
+        </p:spPr>
+      </p:pic>
+      <p:pic>
+        <p:nvPicPr>
+          <p:cNvPr id="218" name="Picture 217" descr="VMW_ICON_cluster1_2D(F).png"/>
+          <p:cNvPicPr>
+            <a:picLocks noChangeAspect="1"/>
+          </p:cNvPicPr>
+          <p:nvPr/>
+        </p:nvPicPr>
+        <p:blipFill>
+          <a:blip r:embed="rId7">
+            <a:extLst>
+              <a:ext uri="{28A0092B-C50C-407E-A947-70E740481C1C}">
+                <a14:useLocalDpi xmlns:a14="http://schemas.microsoft.com/office/drawing/2010/main" val="0"/>
+              </a:ext>
+            </a:extLst>
+          </a:blip>
           <a:stretch>
             <a:fillRect/>
           </a:stretch>
         </p:blipFill>
         <p:spPr>
           <a:xfrm>
-            <a:off x="10617268" y="28052340"/>
-            <a:ext cx="1469418" cy="1525933"/>
+            <a:off x="7686306" y="18859215"/>
+            <a:ext cx="979612" cy="1017289"/>
           </a:xfrm>
           <a:prstGeom prst="rect">
             <a:avLst/>
@@ -4972,8 +4890,8 @@
         </p:nvCxnSpPr>
         <p:spPr>
           <a:xfrm>
-            <a:off x="7173156" y="28815307"/>
-            <a:ext cx="794615" cy="0"/>
+            <a:off x="5390232" y="19367860"/>
+            <a:ext cx="529743" cy="0"/>
           </a:xfrm>
           <a:prstGeom prst="line">
             <a:avLst/>
@@ -5005,8 +4923,8 @@
         </p:nvCxnSpPr>
         <p:spPr>
           <a:xfrm>
-            <a:off x="9437189" y="28815307"/>
-            <a:ext cx="1180079" cy="0"/>
+            <a:off x="6899587" y="19367860"/>
+            <a:ext cx="786719" cy="0"/>
           </a:xfrm>
           <a:prstGeom prst="line">
             <a:avLst/>
@@ -5038,8 +4956,8 @@
         </p:nvCxnSpPr>
         <p:spPr>
           <a:xfrm>
-            <a:off x="8702480" y="29578273"/>
-            <a:ext cx="734709" cy="797709"/>
+            <a:off x="6409781" y="19876504"/>
+            <a:ext cx="489806" cy="531806"/>
           </a:xfrm>
           <a:prstGeom prst="line">
             <a:avLst/>
@@ -5071,8 +4989,8 @@
         </p:nvCxnSpPr>
         <p:spPr>
           <a:xfrm flipV="1">
-            <a:off x="8702480" y="27635872"/>
-            <a:ext cx="734709" cy="416468"/>
+            <a:off x="6409780" y="18581570"/>
+            <a:ext cx="489806" cy="277645"/>
           </a:xfrm>
           <a:prstGeom prst="line">
             <a:avLst/>
@@ -5104,8 +5022,8 @@
         </p:nvCxnSpPr>
         <p:spPr>
           <a:xfrm flipH="1" flipV="1">
-            <a:off x="10881009" y="27635872"/>
-            <a:ext cx="470968" cy="416468"/>
+            <a:off x="8004988" y="18581570"/>
+            <a:ext cx="171124" cy="277645"/>
           </a:xfrm>
           <a:prstGeom prst="line">
             <a:avLst/>
@@ -5137,8 +5055,8 @@
         </p:nvCxnSpPr>
         <p:spPr>
           <a:xfrm flipV="1">
-            <a:off x="12086686" y="27813343"/>
-            <a:ext cx="1020437" cy="1001964"/>
+            <a:off x="8665918" y="18699884"/>
+            <a:ext cx="680291" cy="667976"/>
           </a:xfrm>
           <a:prstGeom prst="line">
             <a:avLst/>
@@ -5170,8 +5088,8 @@
         </p:nvCxnSpPr>
         <p:spPr>
           <a:xfrm flipV="1">
-            <a:off x="10906607" y="29578273"/>
-            <a:ext cx="445370" cy="797709"/>
+            <a:off x="7879199" y="19876504"/>
+            <a:ext cx="296913" cy="531806"/>
           </a:xfrm>
           <a:prstGeom prst="line">
             <a:avLst/>
@@ -5203,8 +5121,8 @@
         </p:nvCxnSpPr>
         <p:spPr>
           <a:xfrm>
-            <a:off x="12086686" y="28815307"/>
-            <a:ext cx="1356606" cy="1946141"/>
+            <a:off x="8665918" y="19367860"/>
+            <a:ext cx="904404" cy="1297427"/>
           </a:xfrm>
           <a:prstGeom prst="line">
             <a:avLst/>
@@ -5234,7 +5152,7 @@
           <p:nvPr/>
         </p:nvPicPr>
         <p:blipFill>
-          <a:blip r:embed="rId10">
+          <a:blip r:embed="rId9">
             <a:extLst>
               <a:ext uri="{28A0092B-C50C-407E-A947-70E740481C1C}">
                 <a14:useLocalDpi xmlns:a14="http://schemas.microsoft.com/office/drawing/2010/main" val="0"/>
@@ -5248,8 +5166,8 @@
         </p:blipFill>
         <p:spPr bwMode="auto">
           <a:xfrm>
-            <a:off x="12789231" y="26055113"/>
-            <a:ext cx="915147" cy="1641229"/>
+            <a:off x="9134281" y="17527731"/>
+            <a:ext cx="610098" cy="1094153"/>
           </a:xfrm>
           <a:prstGeom prst="rect">
             <a:avLst/>
@@ -5260,14 +5178,14 @@
           </a:ln>
           <a:extLst>
             <a:ext uri="{909E8E84-426E-40dd-AFC4-6F175D3DCCD1}">
-              <a14:hiddenFill xmlns:a14="http://schemas.microsoft.com/office/drawing/2010/main">
+              <a14:hiddenFill xmlns:a14="http://schemas.microsoft.com/office/drawing/2010/main" xmlns="">
                 <a:solidFill>
                   <a:srgbClr val="FFFFFF"/>
                 </a:solidFill>
               </a14:hiddenFill>
             </a:ext>
             <a:ext uri="{91240B29-F687-4f45-9708-019B960494DF}">
-              <a14:hiddenLine xmlns:a14="http://schemas.microsoft.com/office/drawing/2010/main" w="9525">
+              <a14:hiddenLine xmlns:a14="http://schemas.microsoft.com/office/drawing/2010/main" xmlns="" w="9525">
                 <a:solidFill>
                   <a:srgbClr val="000000"/>
                 </a:solidFill>
@@ -5287,8 +5205,8 @@
         </p:nvSpPr>
         <p:spPr>
           <a:xfrm>
-            <a:off x="16675757" y="21066344"/>
-            <a:ext cx="13496282" cy="11173777"/>
+            <a:off x="12945972" y="14201885"/>
+            <a:ext cx="8997521" cy="7449185"/>
           </a:xfrm>
           <a:prstGeom prst="rect">
             <a:avLst/>
@@ -5316,16 +5234,16 @@
           </a:fontRef>
         </p:style>
         <p:txBody>
-          <a:bodyPr lIns="457200" tIns="457200" rIns="457200" bIns="457200" rtlCol="0" anchor="t"/>
+          <a:bodyPr lIns="304800" tIns="304800" rIns="304800" bIns="304800" rtlCol="0" anchor="t"/>
           <a:lstStyle/>
           <a:p>
             <a:pPr algn="just">
               <a:spcAft>
-                <a:spcPts val="1800"/>
+                <a:spcPts val="1200"/>
               </a:spcAft>
             </a:pPr>
             <a:r>
-              <a:rPr lang="en-US" sz="4000" dirty="0" smtClean="0">
+              <a:rPr lang="en-US" sz="2667" dirty="0">
                 <a:solidFill>
                   <a:prstClr val="black"/>
                 </a:solidFill>
@@ -5336,10 +5254,10 @@
           <a:p>
             <a:pPr algn="just">
               <a:spcAft>
-                <a:spcPts val="1800"/>
+                <a:spcPts val="1200"/>
               </a:spcAft>
             </a:pPr>
-            <a:endParaRPr lang="en-US" sz="4000" dirty="0">
+            <a:endParaRPr lang="en-US" sz="2667" dirty="0">
               <a:solidFill>
                 <a:prstClr val="black"/>
               </a:solidFill>
@@ -5348,11 +5266,11 @@
           <a:p>
             <a:pPr algn="just">
               <a:spcAft>
-                <a:spcPts val="1800"/>
+                <a:spcPts val="1200"/>
               </a:spcAft>
             </a:pPr>
             <a:r>
-              <a:rPr lang="en-US" sz="4000" b="1" dirty="0" smtClean="0">
+              <a:rPr lang="en-US" sz="2667" b="1" dirty="0">
                 <a:solidFill>
                   <a:prstClr val="black"/>
                 </a:solidFill>
@@ -5361,15 +5279,15 @@
             </a:r>
           </a:p>
           <a:p>
-            <a:pPr marL="571500" indent="-571500" algn="just">
+            <a:pPr marL="381019" indent="-381019" algn="just">
               <a:spcAft>
-                <a:spcPts val="1800"/>
+                <a:spcPts val="1200"/>
               </a:spcAft>
               <a:buFont typeface="Arial"/>
               <a:buChar char="•"/>
             </a:pPr>
             <a:r>
-              <a:rPr lang="en-US" sz="4000" dirty="0" smtClean="0">
+              <a:rPr lang="en-US" sz="2667" dirty="0">
                 <a:solidFill>
                   <a:prstClr val="black"/>
                 </a:solidFill>
@@ -5378,15 +5296,15 @@
             </a:r>
           </a:p>
           <a:p>
-            <a:pPr marL="571500" indent="-571500" algn="just">
+            <a:pPr marL="381019" indent="-381019" algn="just">
               <a:spcAft>
-                <a:spcPts val="1800"/>
+                <a:spcPts val="1200"/>
               </a:spcAft>
               <a:buFont typeface="Arial"/>
               <a:buChar char="•"/>
             </a:pPr>
             <a:r>
-              <a:rPr lang="en-US" sz="4000" dirty="0" smtClean="0">
+              <a:rPr lang="en-US" sz="2667" dirty="0">
                 <a:solidFill>
                   <a:prstClr val="black"/>
                 </a:solidFill>
@@ -5395,15 +5313,15 @@
             </a:r>
           </a:p>
           <a:p>
-            <a:pPr marL="571500" indent="-571500" algn="just">
+            <a:pPr marL="381019" indent="-381019" algn="just">
               <a:spcAft>
-                <a:spcPts val="1800"/>
+                <a:spcPts val="1200"/>
               </a:spcAft>
               <a:buFont typeface="Arial"/>
               <a:buChar char="•"/>
             </a:pPr>
             <a:r>
-              <a:rPr lang="en-US" sz="4000" dirty="0" smtClean="0">
+              <a:rPr lang="en-US" sz="2667" dirty="0">
                 <a:solidFill>
                   <a:prstClr val="black"/>
                 </a:solidFill>
@@ -5412,15 +5330,15 @@
             </a:r>
           </a:p>
           <a:p>
-            <a:pPr marL="571500" indent="-571500" algn="just">
+            <a:pPr marL="381019" indent="-381019" algn="just">
               <a:spcAft>
-                <a:spcPts val="1800"/>
+                <a:spcPts val="1200"/>
               </a:spcAft>
               <a:buFont typeface="Arial"/>
               <a:buChar char="•"/>
             </a:pPr>
             <a:r>
-              <a:rPr lang="en-US" sz="4000" dirty="0" smtClean="0">
+              <a:rPr lang="en-US" sz="2667" dirty="0">
                 <a:solidFill>
                   <a:prstClr val="black"/>
                 </a:solidFill>
@@ -5429,22 +5347,22 @@
             </a:r>
           </a:p>
           <a:p>
-            <a:pPr marL="571500" indent="-571500" algn="just">
+            <a:pPr marL="381019" indent="-381019" algn="just">
               <a:spcAft>
-                <a:spcPts val="1800"/>
+                <a:spcPts val="1200"/>
               </a:spcAft>
               <a:buFont typeface="Arial"/>
               <a:buChar char="•"/>
             </a:pPr>
             <a:r>
-              <a:rPr lang="en-US" sz="4000" dirty="0" smtClean="0">
+              <a:rPr lang="en-US" sz="2667" dirty="0">
                 <a:solidFill>
                   <a:prstClr val="black"/>
                 </a:solidFill>
               </a:rPr>
               <a:t>You can rearrange things within your own section however you like</a:t>
             </a:r>
-            <a:endParaRPr lang="en-US" sz="4000" dirty="0">
+            <a:endParaRPr lang="en-US" sz="2667" dirty="0">
               <a:solidFill>
                 <a:prstClr val="black"/>
               </a:solidFill>
@@ -5460,8 +5378,8 @@
         </p:nvSpPr>
         <p:spPr>
           <a:xfrm>
-            <a:off x="31040257" y="14089529"/>
-            <a:ext cx="11967330" cy="4392695"/>
+            <a:off x="22522304" y="9550675"/>
+            <a:ext cx="9355705" cy="2928463"/>
           </a:xfrm>
           <a:prstGeom prst="rect">
             <a:avLst/>
@@ -5489,23 +5407,23 @@
           </a:fontRef>
         </p:style>
         <p:txBody>
-          <a:bodyPr lIns="457200" tIns="457200" rIns="457200" bIns="457200" rtlCol="0" anchor="t"/>
+          <a:bodyPr lIns="304800" tIns="304800" rIns="304800" bIns="304800" rtlCol="0" anchor="t"/>
           <a:lstStyle/>
           <a:p>
             <a:pPr algn="just">
               <a:spcAft>
-                <a:spcPts val="1800"/>
+                <a:spcPts val="1200"/>
               </a:spcAft>
             </a:pPr>
             <a:r>
-              <a:rPr lang="en-US" sz="4000" dirty="0" smtClean="0">
+              <a:rPr lang="en-US" sz="2667" dirty="0">
                 <a:solidFill>
                   <a:prstClr val="black"/>
                 </a:solidFill>
               </a:rPr>
               <a:t>More Text</a:t>
             </a:r>
-            <a:endParaRPr lang="en-US" sz="4000" dirty="0">
+            <a:endParaRPr lang="en-US" sz="2667" dirty="0">
               <a:solidFill>
                 <a:prstClr val="black"/>
               </a:solidFill>
@@ -5513,6 +5431,36 @@
           </a:p>
         </p:txBody>
       </p:sp>
+      <p:pic>
+        <p:nvPicPr>
+          <p:cNvPr id="36" name="Picture 35" descr="gw_txt_2cs_rev.png"/>
+          <p:cNvPicPr>
+            <a:picLocks noChangeAspect="1"/>
+          </p:cNvPicPr>
+          <p:nvPr/>
+        </p:nvPicPr>
+        <p:blipFill>
+          <a:blip r:embed="rId3">
+            <a:extLst>
+              <a:ext uri="{28A0092B-C50C-407E-A947-70E740481C1C}">
+                <a14:useLocalDpi xmlns:a14="http://schemas.microsoft.com/office/drawing/2010/main" val="0"/>
+              </a:ext>
+            </a:extLst>
+          </a:blip>
+          <a:stretch>
+            <a:fillRect/>
+          </a:stretch>
+        </p:blipFill>
+        <p:spPr>
+          <a:xfrm>
+            <a:off x="27320029" y="140352"/>
+            <a:ext cx="4557981" cy="3471662"/>
+          </a:xfrm>
+          <a:prstGeom prst="rect">
+            <a:avLst/>
+          </a:prstGeom>
+        </p:spPr>
+      </p:pic>
     </p:spTree>
     <p:extLst>
       <p:ext uri="{BB962C8B-B14F-4D97-AF65-F5344CB8AC3E}">
@@ -5593,8 +5541,8 @@
         </p:blipFill>
         <p:spPr bwMode="auto">
           <a:xfrm>
-            <a:off x="7606673" y="10665022"/>
-            <a:ext cx="5389799" cy="4984318"/>
+            <a:off x="6899916" y="7110015"/>
+            <a:ext cx="3593199" cy="3322879"/>
           </a:xfrm>
           <a:prstGeom prst="rect">
             <a:avLst/>
@@ -5605,14 +5553,14 @@
           </a:ln>
           <a:extLst>
             <a:ext uri="{909E8E84-426E-40dd-AFC4-6F175D3DCCD1}">
-              <a14:hiddenFill xmlns:a14="http://schemas.microsoft.com/office/drawing/2010/main">
+              <a14:hiddenFill xmlns:a14="http://schemas.microsoft.com/office/drawing/2010/main" xmlns="">
                 <a:solidFill>
                   <a:srgbClr val="FFFFFF"/>
                 </a:solidFill>
               </a14:hiddenFill>
             </a:ext>
             <a:ext uri="{91240B29-F687-4f45-9708-019B960494DF}">
-              <a14:hiddenLine xmlns:a14="http://schemas.microsoft.com/office/drawing/2010/main" w="9525">
+              <a14:hiddenLine xmlns:a14="http://schemas.microsoft.com/office/drawing/2010/main" xmlns="" w="9525">
                 <a:solidFill>
                   <a:srgbClr val="000000"/>
                 </a:solidFill>
@@ -5647,8 +5595,8 @@
         </p:blipFill>
         <p:spPr bwMode="auto">
           <a:xfrm>
-            <a:off x="22250849" y="12580369"/>
-            <a:ext cx="4584972" cy="8771250"/>
+            <a:off x="16662699" y="8386913"/>
+            <a:ext cx="3056648" cy="5847500"/>
           </a:xfrm>
           <a:prstGeom prst="rect">
             <a:avLst/>
@@ -5659,14 +5607,14 @@
           </a:ln>
           <a:extLst>
             <a:ext uri="{909E8E84-426E-40dd-AFC4-6F175D3DCCD1}">
-              <a14:hiddenFill xmlns:a14="http://schemas.microsoft.com/office/drawing/2010/main">
+              <a14:hiddenFill xmlns:a14="http://schemas.microsoft.com/office/drawing/2010/main" xmlns="">
                 <a:solidFill>
                   <a:srgbClr val="FFFFFF"/>
                 </a:solidFill>
               </a14:hiddenFill>
             </a:ext>
             <a:ext uri="{91240B29-F687-4f45-9708-019B960494DF}">
-              <a14:hiddenLine xmlns:a14="http://schemas.microsoft.com/office/drawing/2010/main" w="9525">
+              <a14:hiddenLine xmlns:a14="http://schemas.microsoft.com/office/drawing/2010/main" xmlns="" w="9525">
                 <a:solidFill>
                   <a:srgbClr val="000000"/>
                 </a:solidFill>
@@ -5701,8 +5649,8 @@
         </p:blipFill>
         <p:spPr bwMode="auto">
           <a:xfrm>
-            <a:off x="30993700" y="10380276"/>
-            <a:ext cx="3370488" cy="6044651"/>
+            <a:off x="22491267" y="6920185"/>
+            <a:ext cx="2246992" cy="4029767"/>
           </a:xfrm>
           <a:prstGeom prst="rect">
             <a:avLst/>
@@ -5713,14 +5661,14 @@
           </a:ln>
           <a:extLst>
             <a:ext uri="{909E8E84-426E-40dd-AFC4-6F175D3DCCD1}">
-              <a14:hiddenFill xmlns:a14="http://schemas.microsoft.com/office/drawing/2010/main">
+              <a14:hiddenFill xmlns:a14="http://schemas.microsoft.com/office/drawing/2010/main" xmlns="">
                 <a:solidFill>
                   <a:srgbClr val="FFFFFF"/>
                 </a:solidFill>
               </a14:hiddenFill>
             </a:ext>
             <a:ext uri="{91240B29-F687-4f45-9708-019B960494DF}">
-              <a14:hiddenLine xmlns:a14="http://schemas.microsoft.com/office/drawing/2010/main" w="9525">
+              <a14:hiddenLine xmlns:a14="http://schemas.microsoft.com/office/drawing/2010/main" xmlns="" w="9525">
                 <a:solidFill>
                   <a:srgbClr val="000000"/>
                 </a:solidFill>
@@ -5755,8 +5703,8 @@
         </p:blipFill>
         <p:spPr bwMode="auto">
           <a:xfrm>
-            <a:off x="34498900" y="10456476"/>
-            <a:ext cx="5948354" cy="6874309"/>
+            <a:off x="24828067" y="6970984"/>
+            <a:ext cx="3965569" cy="4582873"/>
           </a:xfrm>
           <a:prstGeom prst="rect">
             <a:avLst/>
@@ -5767,14 +5715,14 @@
           </a:ln>
           <a:extLst>
             <a:ext uri="{909E8E84-426E-40dd-AFC4-6F175D3DCCD1}">
-              <a14:hiddenFill xmlns:a14="http://schemas.microsoft.com/office/drawing/2010/main">
+              <a14:hiddenFill xmlns:a14="http://schemas.microsoft.com/office/drawing/2010/main" xmlns="">
                 <a:solidFill>
                   <a:srgbClr val="FFFFFF"/>
                 </a:solidFill>
               </a14:hiddenFill>
             </a:ext>
             <a:ext uri="{91240B29-F687-4f45-9708-019B960494DF}">
-              <a14:hiddenLine xmlns:a14="http://schemas.microsoft.com/office/drawing/2010/main" w="9525">
+              <a14:hiddenLine xmlns:a14="http://schemas.microsoft.com/office/drawing/2010/main" xmlns="" w="9525">
                 <a:solidFill>
                   <a:srgbClr val="000000"/>
                 </a:solidFill>
@@ -5809,8 +5757,8 @@
         </p:blipFill>
         <p:spPr bwMode="auto">
           <a:xfrm>
-            <a:off x="36416868" y="17040995"/>
-            <a:ext cx="7474332" cy="4755718"/>
+            <a:off x="26106712" y="11360663"/>
+            <a:ext cx="4982888" cy="3170479"/>
           </a:xfrm>
           <a:prstGeom prst="rect">
             <a:avLst/>
@@ -5821,14 +5769,14 @@
           </a:ln>
           <a:extLst>
             <a:ext uri="{909E8E84-426E-40dd-AFC4-6F175D3DCCD1}">
-              <a14:hiddenFill xmlns:a14="http://schemas.microsoft.com/office/drawing/2010/main">
+              <a14:hiddenFill xmlns:a14="http://schemas.microsoft.com/office/drawing/2010/main" xmlns="">
                 <a:solidFill>
                   <a:srgbClr val="FFFFFF"/>
                 </a:solidFill>
               </a14:hiddenFill>
             </a:ext>
             <a:ext uri="{91240B29-F687-4f45-9708-019B960494DF}">
-              <a14:hiddenLine xmlns:a14="http://schemas.microsoft.com/office/drawing/2010/main" w="9525">
+              <a14:hiddenLine xmlns:a14="http://schemas.microsoft.com/office/drawing/2010/main" xmlns="" w="9525">
                 <a:solidFill>
                   <a:srgbClr val="000000"/>
                 </a:solidFill>
@@ -5863,8 +5811,8 @@
         </p:blipFill>
         <p:spPr bwMode="auto">
           <a:xfrm>
-            <a:off x="29581116" y="25337355"/>
-            <a:ext cx="2825168" cy="2825168"/>
+            <a:off x="21549544" y="16891570"/>
+            <a:ext cx="1883445" cy="1883445"/>
           </a:xfrm>
           <a:prstGeom prst="rect">
             <a:avLst/>
@@ -5875,14 +5823,14 @@
           </a:ln>
           <a:extLst>
             <a:ext uri="{909E8E84-426E-40dd-AFC4-6F175D3DCCD1}">
-              <a14:hiddenFill xmlns:a14="http://schemas.microsoft.com/office/drawing/2010/main">
+              <a14:hiddenFill xmlns:a14="http://schemas.microsoft.com/office/drawing/2010/main" xmlns="">
                 <a:solidFill>
                   <a:srgbClr val="FFFFFF"/>
                 </a:solidFill>
               </a14:hiddenFill>
             </a:ext>
             <a:ext uri="{91240B29-F687-4f45-9708-019B960494DF}">
-              <a14:hiddenLine xmlns:a14="http://schemas.microsoft.com/office/drawing/2010/main" w="9525">
+              <a14:hiddenLine xmlns:a14="http://schemas.microsoft.com/office/drawing/2010/main" xmlns="" w="9525">
                 <a:solidFill>
                   <a:srgbClr val="000000"/>
                 </a:solidFill>
@@ -5916,8 +5864,8 @@
         </p:blipFill>
         <p:spPr>
           <a:xfrm>
-            <a:off x="15254855" y="27782010"/>
-            <a:ext cx="8324834" cy="4889311"/>
+            <a:off x="11998704" y="18521340"/>
+            <a:ext cx="5549889" cy="3259541"/>
           </a:xfrm>
           <a:prstGeom prst="rect">
             <a:avLst/>
@@ -5941,8 +5889,8 @@
         </p:blipFill>
         <p:spPr bwMode="auto">
           <a:xfrm>
-            <a:off x="23262119" y="28107302"/>
-            <a:ext cx="3676081" cy="3676081"/>
+            <a:off x="17336880" y="18738202"/>
+            <a:ext cx="2450721" cy="2450721"/>
           </a:xfrm>
           <a:prstGeom prst="rect">
             <a:avLst/>
@@ -5967,8 +5915,8 @@
         </p:blipFill>
         <p:spPr bwMode="auto">
           <a:xfrm>
-            <a:off x="11168326" y="16424927"/>
-            <a:ext cx="3621971" cy="4281563"/>
+            <a:off x="9274351" y="10949952"/>
+            <a:ext cx="2414647" cy="2854375"/>
           </a:xfrm>
           <a:prstGeom prst="rect">
             <a:avLst/>
@@ -5993,8 +5941,8 @@
         </p:blipFill>
         <p:spPr bwMode="auto">
           <a:xfrm>
-            <a:off x="8427639" y="22743083"/>
-            <a:ext cx="3882082" cy="4255360"/>
+            <a:off x="7447226" y="15162055"/>
+            <a:ext cx="2588055" cy="2836907"/>
           </a:xfrm>
           <a:prstGeom prst="rect">
             <a:avLst/>
@@ -6024,8 +5972,8 @@
         </p:blipFill>
         <p:spPr>
           <a:xfrm>
-            <a:off x="34498900" y="23564230"/>
-            <a:ext cx="7542936" cy="7636446"/>
+            <a:off x="24828067" y="15709487"/>
+            <a:ext cx="5028624" cy="5090964"/>
           </a:xfrm>
           <a:prstGeom prst="rect">
             <a:avLst/>
@@ -6054,8 +6002,8 @@
         </p:blipFill>
         <p:spPr>
           <a:xfrm>
-            <a:off x="14855418" y="10073263"/>
-            <a:ext cx="4318880" cy="4484988"/>
+            <a:off x="11732412" y="6715509"/>
+            <a:ext cx="2879253" cy="2989992"/>
           </a:xfrm>
           <a:prstGeom prst="rect">
             <a:avLst/>
@@ -6084,8 +6032,8 @@
         </p:blipFill>
         <p:spPr>
           <a:xfrm>
-            <a:off x="17014858" y="15409705"/>
-            <a:ext cx="3875224" cy="8154525"/>
+            <a:off x="13172039" y="10273137"/>
+            <a:ext cx="2583483" cy="5436350"/>
           </a:xfrm>
           <a:prstGeom prst="rect">
             <a:avLst/>
@@ -6114,8 +6062,8 @@
         </p:blipFill>
         <p:spPr>
           <a:xfrm>
-            <a:off x="10301573" y="5094814"/>
-            <a:ext cx="5305155" cy="5570208"/>
+            <a:off x="8696516" y="3396543"/>
+            <a:ext cx="3536770" cy="3713472"/>
           </a:xfrm>
           <a:prstGeom prst="rect">
             <a:avLst/>
@@ -6144,8 +6092,8 @@
         </p:blipFill>
         <p:spPr>
           <a:xfrm>
-            <a:off x="10238298" y="25782932"/>
-            <a:ext cx="5754086" cy="5863593"/>
+            <a:off x="8654332" y="17188622"/>
+            <a:ext cx="3836057" cy="3909062"/>
           </a:xfrm>
           <a:prstGeom prst="rect">
             <a:avLst/>
@@ -6174,8 +6122,8 @@
         </p:blipFill>
         <p:spPr>
           <a:xfrm>
-            <a:off x="32406284" y="15409705"/>
-            <a:ext cx="2541385" cy="3909062"/>
+            <a:off x="23432990" y="10273137"/>
+            <a:ext cx="1694257" cy="2606041"/>
           </a:xfrm>
           <a:prstGeom prst="rect">
             <a:avLst/>
@@ -6199,8 +6147,8 @@
         </p:blipFill>
         <p:spPr bwMode="auto">
           <a:xfrm>
-            <a:off x="21915665" y="4330671"/>
-            <a:ext cx="3333018" cy="5679932"/>
+            <a:off x="16439243" y="2887114"/>
+            <a:ext cx="2222012" cy="3786621"/>
           </a:xfrm>
           <a:prstGeom prst="rect">
             <a:avLst/>
@@ -6231,8 +6179,8 @@
         </p:blipFill>
         <p:spPr bwMode="auto">
           <a:xfrm>
-            <a:off x="30419359" y="6302159"/>
-            <a:ext cx="2747930" cy="3155518"/>
+            <a:off x="22108373" y="4201439"/>
+            <a:ext cx="1831953" cy="2103679"/>
           </a:xfrm>
           <a:prstGeom prst="rect">
             <a:avLst/>
@@ -6263,8 +6211,8 @@
         </p:blipFill>
         <p:spPr bwMode="auto">
           <a:xfrm>
-            <a:off x="26847476" y="7833902"/>
-            <a:ext cx="2787374" cy="3227834"/>
+            <a:off x="19727118" y="5222602"/>
+            <a:ext cx="1858249" cy="2151889"/>
           </a:xfrm>
           <a:prstGeom prst="rect">
             <a:avLst/>
@@ -6295,8 +6243,8 @@
         </p:blipFill>
         <p:spPr bwMode="auto">
           <a:xfrm>
-            <a:off x="38578996" y="6302159"/>
-            <a:ext cx="2958298" cy="3155518"/>
+            <a:off x="27548131" y="4201439"/>
+            <a:ext cx="1972199" cy="2103679"/>
           </a:xfrm>
           <a:prstGeom prst="rect">
             <a:avLst/>
@@ -6327,8 +6275,8 @@
         </p:blipFill>
         <p:spPr bwMode="auto">
           <a:xfrm>
-            <a:off x="33085491" y="6569316"/>
-            <a:ext cx="2826818" cy="3109502"/>
+            <a:off x="23885794" y="4379544"/>
+            <a:ext cx="1884545" cy="2073001"/>
           </a:xfrm>
           <a:prstGeom prst="rect">
             <a:avLst/>
@@ -6359,8 +6307,8 @@
         </p:blipFill>
         <p:spPr bwMode="auto">
           <a:xfrm>
-            <a:off x="25248683" y="6722937"/>
-            <a:ext cx="3379034" cy="5857432"/>
+            <a:off x="18661256" y="4481958"/>
+            <a:ext cx="2252689" cy="3904955"/>
           </a:xfrm>
           <a:prstGeom prst="rect">
             <a:avLst/>
@@ -6391,8 +6339,8 @@
         </p:blipFill>
         <p:spPr bwMode="auto">
           <a:xfrm>
-            <a:off x="18727681" y="4512965"/>
-            <a:ext cx="3280422" cy="5679932"/>
+            <a:off x="14313921" y="3008644"/>
+            <a:ext cx="2186948" cy="3786621"/>
           </a:xfrm>
           <a:prstGeom prst="rect">
             <a:avLst/>
@@ -6423,8 +6371,8 @@
         </p:blipFill>
         <p:spPr bwMode="auto">
           <a:xfrm>
-            <a:off x="15274985" y="25287615"/>
-            <a:ext cx="7987134" cy="2030061"/>
+            <a:off x="12012123" y="16858410"/>
+            <a:ext cx="5324756" cy="1353374"/>
           </a:xfrm>
           <a:prstGeom prst="rect">
             <a:avLst/>
@@ -6455,8 +6403,8 @@
         </p:blipFill>
         <p:spPr bwMode="auto">
           <a:xfrm>
-            <a:off x="1219282" y="8338344"/>
-            <a:ext cx="4370520" cy="5446783"/>
+            <a:off x="2641655" y="5558896"/>
+            <a:ext cx="2913680" cy="3631189"/>
           </a:xfrm>
           <a:prstGeom prst="rect">
             <a:avLst/>
@@ -6542,8 +6490,8 @@
         </p:blipFill>
         <p:spPr bwMode="auto">
           <a:xfrm>
-            <a:off x="222188" y="11271527"/>
-            <a:ext cx="6188199" cy="6783218"/>
+            <a:off x="1976926" y="7514352"/>
+            <a:ext cx="4125466" cy="4522145"/>
           </a:xfrm>
           <a:prstGeom prst="rect">
             <a:avLst/>
@@ -6554,14 +6502,14 @@
           </a:ln>
           <a:extLst>
             <a:ext uri="{909E8E84-426E-40dd-AFC4-6F175D3DCCD1}">
-              <a14:hiddenFill xmlns:a14="http://schemas.microsoft.com/office/drawing/2010/main">
+              <a14:hiddenFill xmlns:a14="http://schemas.microsoft.com/office/drawing/2010/main" xmlns="">
                 <a:solidFill>
                   <a:srgbClr val="FFFFFF"/>
                 </a:solidFill>
               </a14:hiddenFill>
             </a:ext>
             <a:ext uri="{91240B29-F687-4f45-9708-019B960494DF}">
-              <a14:hiddenLine xmlns:a14="http://schemas.microsoft.com/office/drawing/2010/main" w="9525">
+              <a14:hiddenLine xmlns:a14="http://schemas.microsoft.com/office/drawing/2010/main" xmlns="" w="9525">
                 <a:solidFill>
                   <a:srgbClr val="000000"/>
                 </a:solidFill>
@@ -6596,8 +6544,8 @@
         </p:blipFill>
         <p:spPr bwMode="auto">
           <a:xfrm>
-            <a:off x="2721768" y="15409705"/>
-            <a:ext cx="6400708" cy="7352738"/>
+            <a:off x="3643312" y="10273137"/>
+            <a:ext cx="4267139" cy="4901825"/>
           </a:xfrm>
           <a:prstGeom prst="rect">
             <a:avLst/>
@@ -6608,14 +6556,14 @@
           </a:ln>
           <a:extLst>
             <a:ext uri="{909E8E84-426E-40dd-AFC4-6F175D3DCCD1}">
-              <a14:hiddenFill xmlns:a14="http://schemas.microsoft.com/office/drawing/2010/main">
+              <a14:hiddenFill xmlns:a14="http://schemas.microsoft.com/office/drawing/2010/main" xmlns="">
                 <a:solidFill>
                   <a:srgbClr val="FFFFFF"/>
                 </a:solidFill>
               </a14:hiddenFill>
             </a:ext>
             <a:ext uri="{91240B29-F687-4f45-9708-019B960494DF}">
-              <a14:hiddenLine xmlns:a14="http://schemas.microsoft.com/office/drawing/2010/main" w="9525">
+              <a14:hiddenLine xmlns:a14="http://schemas.microsoft.com/office/drawing/2010/main" xmlns="" w="9525">
                 <a:solidFill>
                   <a:srgbClr val="000000"/>
                 </a:solidFill>
@@ -6650,8 +6598,8 @@
         </p:blipFill>
         <p:spPr bwMode="auto">
           <a:xfrm>
-            <a:off x="2861467" y="23257554"/>
-            <a:ext cx="5125667" cy="5457175"/>
+            <a:off x="3736445" y="15505036"/>
+            <a:ext cx="3417111" cy="3638117"/>
           </a:xfrm>
           <a:prstGeom prst="rect">
             <a:avLst/>
@@ -6662,14 +6610,14 @@
           </a:ln>
           <a:extLst>
             <a:ext uri="{909E8E84-426E-40dd-AFC4-6F175D3DCCD1}">
-              <a14:hiddenFill xmlns:a14="http://schemas.microsoft.com/office/drawing/2010/main">
+              <a14:hiddenFill xmlns:a14="http://schemas.microsoft.com/office/drawing/2010/main" xmlns="">
                 <a:solidFill>
                   <a:srgbClr val="FFFFFF"/>
                 </a:solidFill>
               </a14:hiddenFill>
             </a:ext>
             <a:ext uri="{91240B29-F687-4f45-9708-019B960494DF}">
-              <a14:hiddenLine xmlns:a14="http://schemas.microsoft.com/office/drawing/2010/main" w="9525">
+              <a14:hiddenLine xmlns:a14="http://schemas.microsoft.com/office/drawing/2010/main" xmlns="" w="9525">
                 <a:solidFill>
                   <a:srgbClr val="000000"/>
                 </a:solidFill>
@@ -6698,8 +6646,8 @@
         </p:blipFill>
         <p:spPr bwMode="auto">
           <a:xfrm>
-            <a:off x="18676649" y="15515172"/>
-            <a:ext cx="2887017" cy="5584955"/>
+            <a:off x="14279900" y="10343449"/>
+            <a:ext cx="1924678" cy="3723303"/>
           </a:xfrm>
           <a:prstGeom prst="rect">
             <a:avLst/>
@@ -6730,8 +6678,8 @@
         </p:blipFill>
         <p:spPr bwMode="auto">
           <a:xfrm>
-            <a:off x="16699432" y="7676469"/>
-            <a:ext cx="4864234" cy="6868982"/>
+            <a:off x="12961755" y="5117646"/>
+            <a:ext cx="3242823" cy="4579321"/>
           </a:xfrm>
           <a:prstGeom prst="rect">
             <a:avLst/>
@@ -6761,8 +6709,8 @@
         </p:blipFill>
         <p:spPr>
           <a:xfrm>
-            <a:off x="17258541" y="22967728"/>
-            <a:ext cx="4654129" cy="5800355"/>
+            <a:off x="13334494" y="15311819"/>
+            <a:ext cx="3102753" cy="3866903"/>
           </a:xfrm>
           <a:prstGeom prst="rect">
             <a:avLst/>
@@ -6791,8 +6739,8 @@
         </p:blipFill>
         <p:spPr>
           <a:xfrm>
-            <a:off x="29093687" y="17414615"/>
-            <a:ext cx="5177416" cy="6144440"/>
+            <a:off x="21224591" y="11609744"/>
+            <a:ext cx="3451611" cy="4096293"/>
           </a:xfrm>
           <a:prstGeom prst="rect">
             <a:avLst/>
@@ -6821,8 +6769,8 @@
         </p:blipFill>
         <p:spPr>
           <a:xfrm>
-            <a:off x="8765300" y="6804662"/>
-            <a:ext cx="5130683" cy="6546922"/>
+            <a:off x="7672334" y="4536441"/>
+            <a:ext cx="3420455" cy="4364615"/>
           </a:xfrm>
           <a:prstGeom prst="rect">
             <a:avLst/>
@@ -6851,8 +6799,8 @@
         </p:blipFill>
         <p:spPr>
           <a:xfrm>
-            <a:off x="8765300" y="20254011"/>
-            <a:ext cx="8147283" cy="7727426"/>
+            <a:off x="7672334" y="13502674"/>
+            <a:ext cx="5431522" cy="5151617"/>
           </a:xfrm>
           <a:prstGeom prst="rect">
             <a:avLst/>
@@ -6881,8 +6829,8 @@
         </p:blipFill>
         <p:spPr>
           <a:xfrm>
-            <a:off x="23227055" y="7960362"/>
-            <a:ext cx="9543663" cy="9744029"/>
+            <a:off x="17313504" y="5306909"/>
+            <a:ext cx="6362442" cy="6496019"/>
           </a:xfrm>
           <a:prstGeom prst="rect">
             <a:avLst/>
@@ -6911,8 +6859,8 @@
         </p:blipFill>
         <p:spPr>
           <a:xfrm>
-            <a:off x="22490490" y="19135610"/>
-            <a:ext cx="9191905" cy="12842488"/>
+            <a:off x="16822460" y="12757073"/>
+            <a:ext cx="6127937" cy="8561659"/>
           </a:xfrm>
           <a:prstGeom prst="rect">
             <a:avLst/>
